--- a/lectures/lecture-17/Lecture 17 - Lecture.pptx
+++ b/lectures/lecture-17/Lecture 17 - Lecture.pptx
@@ -147,6 +147,871 @@
     </p:ext>
   </p:extLst>
 </p:presentation>
+</file>
+
+<file path=ppt/ink/ink1.xml><?xml version="1.0" encoding="utf-8"?>
+<inkml:ink xmlns:inkml="http://www.w3.org/2003/InkML">
+  <inkml:definitions>
+    <inkml:context xml:id="ctx0">
+      <inkml:inkSource xml:id="inkSrc0">
+        <inkml:traceFormat>
+          <inkml:channel name="X" type="integer" min="-2.14748E9" max="2.14748E9" units="cm"/>
+          <inkml:channel name="Y" type="integer" min="-2.14748E9" max="2.14748E9" units="cm"/>
+          <inkml:channel name="F" type="integer" max="32767" units="dev"/>
+          <inkml:channel name="OA" type="integer" max="360" units="deg"/>
+          <inkml:channel name="OE" type="integer" max="90" units="deg"/>
+        </inkml:traceFormat>
+        <inkml:channelProperties>
+          <inkml:channelProperty channel="X" name="resolution" value="1000" units="1/cm"/>
+          <inkml:channelProperty channel="Y" name="resolution" value="1000" units="1/cm"/>
+          <inkml:channelProperty channel="F" name="resolution" value="0" units="1/dev"/>
+          <inkml:channelProperty channel="OA" name="resolution" value="1000" units="1/deg"/>
+          <inkml:channelProperty channel="OE" name="resolution" value="1000" units="1/deg"/>
+        </inkml:channelProperties>
+      </inkml:inkSource>
+      <inkml:timestamp xml:id="ts0" timeString="2021-08-30T16:30:41.648"/>
+    </inkml:context>
+    <inkml:brush xml:id="br0">
+      <inkml:brushProperty name="width" value="0.05" units="cm"/>
+      <inkml:brushProperty name="height" value="0.05" units="cm"/>
+      <inkml:brushProperty name="color" value="#FF0066"/>
+    </inkml:brush>
+  </inkml:definitions>
+  <inkml:trace contextRef="#ctx0" brushRef="#br0">29 14 4608 0 0,'0'0'353'0'0,"-8"7"4008"0"0,-2 1-1209 0 0,2-6 2269 0 0,8-2-5334 0 0,0-1 0 0 0,0 1 0 0 0,-1 0 0 0 0,1 0-1 0 0,0-1 1 0 0,0 1 0 0 0,0 0 0 0 0,-1 0-1 0 0,1-1 1 0 0,0 1 0 0 0,0 0 0 0 0,0 0-1 0 0,0-1 1 0 0,0 1 0 0 0,0 0 0 0 0,-1-1-1 0 0,1 1 1 0 0,0 0 0 0 0,0-1 0 0 0,0 1-1 0 0,0 0 1 0 0,0-1 0 0 0,0 1 0 0 0,0 0 0 0 0,0 0-1 0 0,1-1 1 0 0,-1 1 0 0 0,0 0 0 0 0,0-1-1 0 0,0 1 1 0 0,0-1 0 0 0,3-9 263 0 0,-2 9-255 0 0,0 0 0 0 0,0 0 0 0 0,1 0 0 0 0,-1 0 0 0 0,0 0 0 0 0,0 1 0 0 0,1-1 0 0 0,-1 0 0 0 0,1 1 0 0 0,-1-1 0 0 0,0 1 0 0 0,1-1 0 0 0,-1 1 0 0 0,1 0-1 0 0,-1-1 1 0 0,1 1 0 0 0,-1 0 0 0 0,1 0 0 0 0,-1 0 0 0 0,3 1 0 0 0,36 6 417 0 0,-8-1 409 0 0,-23-5-573 0 0,0 0 1 0 0,17 4 0 0 0,13 1-427 0 0,53 3 547 0 0,38 1 663 0 0,-100-10-902 0 0,93-2 585 0 0,-76 1-348 0 0,53 5 1 0 0,-79-3-355 0 0,17 3 86 0 0,-20-2-84 0 0,0-1 0 0 0,35-2 0 0 0,57-14 1333 0 0,-71 8-1054 0 0,-22 3-410 0 0,-1 1 0 0 0,30-1-1 0 0,-31 3 122 0 0,-13 1-80 0 0,1-1 1 0 0,-1 1 0 0 0,1 0-1 0 0,-1 0 1 0 0,1 0-1 0 0,-1 0 1 0 0,1 1-1 0 0,3 0 1 0 0,-5-1-6 0 0,0 1-1 0 0,0-1 1 0 0,0 0-1 0 0,0 1 1 0 0,0-1 0 0 0,1 0-1 0 0,-1 0 1 0 0,0 0-1 0 0,0 0 1 0 0,0 0-1 0 0,0 0 1 0 0,0 0 0 0 0,0 0-1 0 0,0 0 1 0 0,0-1-1 0 0,1 1 1 0 0,-1 0 0 0 0,0-1-1 0 0,0 1 1 0 0,1-2-1 0 0,7-1 10 0 0,-4 1-29 0 0,-2-2-72 0 0,-3 3-301 0 0,2 0-632 0 0,0-1-120 0 0,11-2-4748 0 0</inkml:trace>
+</inkml:ink>
+</file>
+
+<file path=ppt/ink/ink10.xml><?xml version="1.0" encoding="utf-8"?>
+<inkml:ink xmlns:inkml="http://www.w3.org/2003/InkML">
+  <inkml:definitions>
+    <inkml:context xml:id="ctx0">
+      <inkml:inkSource xml:id="inkSrc0">
+        <inkml:traceFormat>
+          <inkml:channel name="X" type="integer" min="-2.14748E9" max="2.14748E9" units="cm"/>
+          <inkml:channel name="Y" type="integer" min="-2.14748E9" max="2.14748E9" units="cm"/>
+          <inkml:channel name="F" type="integer" max="32767" units="dev"/>
+          <inkml:channel name="OA" type="integer" max="360" units="deg"/>
+          <inkml:channel name="OE" type="integer" max="90" units="deg"/>
+        </inkml:traceFormat>
+        <inkml:channelProperties>
+          <inkml:channelProperty channel="X" name="resolution" value="1000" units="1/cm"/>
+          <inkml:channelProperty channel="Y" name="resolution" value="1000" units="1/cm"/>
+          <inkml:channelProperty channel="F" name="resolution" value="0" units="1/dev"/>
+          <inkml:channelProperty channel="OA" name="resolution" value="1000" units="1/deg"/>
+          <inkml:channelProperty channel="OE" name="resolution" value="1000" units="1/deg"/>
+        </inkml:channelProperties>
+      </inkml:inkSource>
+      <inkml:timestamp xml:id="ts0" timeString="2021-08-30T16:30:54.747"/>
+    </inkml:context>
+    <inkml:brush xml:id="br0">
+      <inkml:brushProperty name="width" value="0.05" units="cm"/>
+      <inkml:brushProperty name="height" value="0.05" units="cm"/>
+      <inkml:brushProperty name="color" value="#FF0066"/>
+    </inkml:brush>
+  </inkml:definitions>
+  <inkml:trace contextRef="#ctx0" brushRef="#br0">248 16 13824 0 0,'-18'-13'1512'0'0,"14"12"-1358"0"0,1 1 1 0 0,0-1 0 0 0,0 1 0 0 0,0 0 0 0 0,0 0 0 0 0,0 0 0 0 0,-1 0 0 0 0,1 0 0 0 0,0 1 0 0 0,0-1 0 0 0,0 1-1 0 0,-4 1 1 0 0,-4 2 661 0 0,1 0-1 0 0,-12 7 0 0 0,13-5-566 0 0,0-1 0 0 0,1 2 0 0 0,-1-1 0 0 0,1 1 0 0 0,1 1 0 0 0,-1-1 0 0 0,1 1 0 0 0,1 0 0 0 0,-1 1 0 0 0,2 0 0 0 0,-7 12 0 0 0,4-6-81 0 0,0 1 1 0 0,2 1 0 0 0,0-1-1 0 0,1 1 1 0 0,1 0 0 0 0,-3 19-1 0 0,6-26 156 0 0,0 0 0 0 0,0 0-1 0 0,3 17 1 0 0,-2-24-300 0 0,0 1 0 0 0,1-1-1 0 0,-1 0 1 0 0,1 0 0 0 0,0 0 0 0 0,0 0 0 0 0,0-1 0 0 0,0 1-1 0 0,0 0 1 0 0,1 0 0 0 0,0-1 0 0 0,-1 1 0 0 0,1-1 0 0 0,0 1-1 0 0,4 3 1 0 0,-4-5 47 0 0,-1 0 0 0 0,0-1 1 0 0,1 1-1 0 0,-1-1 0 0 0,0 1 0 0 0,1-1 0 0 0,-1 0 0 0 0,1 0 0 0 0,-1 0 0 0 0,0 1 0 0 0,1-1 0 0 0,-1 0 1 0 0,1-1-1 0 0,-1 1 0 0 0,0 0 0 0 0,1 0 0 0 0,-1-1 0 0 0,1 1 0 0 0,-1-1 0 0 0,2 0 0 0 0,26-14 396 0 0,-19 8-463 0 0,0-1 0 0 0,0 0 0 0 0,-1 0-1 0 0,16-19 1 0 0,27-43-79 0 0,4-4-1863 0 0,-53 70 1451 0 0,0 1 0 0 0,0 0 1 0 0,0 0-1 0 0,6-4 0 0 0,0 2-877 0 0</inkml:trace>
+</inkml:ink>
+</file>
+
+<file path=ppt/ink/ink11.xml><?xml version="1.0" encoding="utf-8"?>
+<inkml:ink xmlns:inkml="http://www.w3.org/2003/InkML">
+  <inkml:definitions>
+    <inkml:context xml:id="ctx0">
+      <inkml:inkSource xml:id="inkSrc0">
+        <inkml:traceFormat>
+          <inkml:channel name="X" type="integer" min="-2.14748E9" max="2.14748E9" units="cm"/>
+          <inkml:channel name="Y" type="integer" min="-2.14748E9" max="2.14748E9" units="cm"/>
+          <inkml:channel name="F" type="integer" max="32767" units="dev"/>
+          <inkml:channel name="OA" type="integer" max="360" units="deg"/>
+          <inkml:channel name="OE" type="integer" max="90" units="deg"/>
+        </inkml:traceFormat>
+        <inkml:channelProperties>
+          <inkml:channelProperty channel="X" name="resolution" value="1000" units="1/cm"/>
+          <inkml:channelProperty channel="Y" name="resolution" value="1000" units="1/cm"/>
+          <inkml:channelProperty channel="F" name="resolution" value="0" units="1/dev"/>
+          <inkml:channelProperty channel="OA" name="resolution" value="1000" units="1/deg"/>
+          <inkml:channelProperty channel="OE" name="resolution" value="1000" units="1/deg"/>
+        </inkml:channelProperties>
+      </inkml:inkSource>
+      <inkml:timestamp xml:id="ts0" timeString="2021-08-30T16:30:55.150"/>
+    </inkml:context>
+    <inkml:brush xml:id="br0">
+      <inkml:brushProperty name="width" value="0.05" units="cm"/>
+      <inkml:brushProperty name="height" value="0.05" units="cm"/>
+      <inkml:brushProperty name="color" value="#FF0066"/>
+    </inkml:brush>
+  </inkml:definitions>
+  <inkml:trace contextRef="#ctx0" brushRef="#br0">14 226 16040 0 0,'-1'0'83'0'0,"0"0"0"0"0,1 0 1 0 0,-1 0-1 0 0,1 0 1 0 0,-1 0-1 0 0,1 0 1 0 0,-1-1-1 0 0,1 1 1 0 0,-1 0-1 0 0,1 0 1 0 0,-1-1-1 0 0,1 1 1 0 0,-1 0-1 0 0,1-1 1 0 0,-1 1-1 0 0,1-1 1 0 0,-1 1-1 0 0,1 0 0 0 0,0-1 1 0 0,-1 1-1 0 0,1-1 1 0 0,0 1-1 0 0,-1-1 1 0 0,1 1-1 0 0,0-1 1 0 0,0 0-1 0 0,-1 1 1 0 0,1-1-1 0 0,0 1 1 0 0,0-1-1 0 0,0 1 1 0 0,0-1-1 0 0,0 0 1 0 0,0 1-1 0 0,0-1 1 0 0,0 1-1 0 0,0-1 0 0 0,0 0 1 0 0,5-29 3201 0 0,-3 19-2692 0 0,2-16 889 0 0,10-29 0 0 0,-1 4-444 0 0,-2 18-413 0 0,-9 57-617 0 0,0 0-1 0 0,2-1 0 0 0,10 38 1 0 0,5-2 345 0 0,-19-58-345 0 0,0 1 0 0 0,0 0 0 0 0,0-1 0 0 0,1 1 1 0 0,-1-1-1 0 0,0 1 0 0 0,0-1 0 0 0,1 1 0 0 0,-1-1 0 0 0,1 1 0 0 0,-1-1 0 0 0,0 0 0 0 0,1 1 0 0 0,-1-1 0 0 0,1 1 1 0 0,-1-1-1 0 0,1 0 0 0 0,-1 1 0 0 0,1-1 0 0 0,-1 0 0 0 0,1 0 0 0 0,-1 0 0 0 0,1 1 0 0 0,0-1 0 0 0,-1 0 0 0 0,1 0 0 0 0,-1 0 1 0 0,1 0-1 0 0,0 0 0 0 0,-1 0 0 0 0,1 0 0 0 0,-1 0 0 0 0,1 0 0 0 0,-1 0 0 0 0,1 0 0 0 0,0 0 0 0 0,-1-1 0 0 0,1 1 0 0 0,-1 0 1 0 0,1 0-1 0 0,-1-1 0 0 0,1 1 0 0 0,-1 0 0 0 0,1-1 0 0 0,-1 1 0 0 0,1 0 0 0 0,-1-1 0 0 0,1 0 0 0 0,4-2 61 0 0,0-1 0 0 0,-1 0-1 0 0,6-7 1 0 0,-9 11-68 0 0,25-25 157 0 0,-16 16-113 0 0,15-17 0 0 0,36-43-2571 0 0,-43 51-4042 0 0,-1 2-2041 0 0</inkml:trace>
+</inkml:ink>
+</file>
+
+<file path=ppt/ink/ink12.xml><?xml version="1.0" encoding="utf-8"?>
+<inkml:ink xmlns:inkml="http://www.w3.org/2003/InkML">
+  <inkml:definitions>
+    <inkml:context xml:id="ctx0">
+      <inkml:inkSource xml:id="inkSrc0">
+        <inkml:traceFormat>
+          <inkml:channel name="X" type="integer" min="-2.14748E9" max="2.14748E9" units="cm"/>
+          <inkml:channel name="Y" type="integer" min="-2.14748E9" max="2.14748E9" units="cm"/>
+          <inkml:channel name="F" type="integer" max="32767" units="dev"/>
+          <inkml:channel name="OA" type="integer" max="360" units="deg"/>
+          <inkml:channel name="OE" type="integer" max="90" units="deg"/>
+        </inkml:traceFormat>
+        <inkml:channelProperties>
+          <inkml:channelProperty channel="X" name="resolution" value="1000" units="1/cm"/>
+          <inkml:channelProperty channel="Y" name="resolution" value="1000" units="1/cm"/>
+          <inkml:channelProperty channel="F" name="resolution" value="0" units="1/dev"/>
+          <inkml:channelProperty channel="OA" name="resolution" value="1000" units="1/deg"/>
+          <inkml:channelProperty channel="OE" name="resolution" value="1000" units="1/deg"/>
+        </inkml:channelProperties>
+      </inkml:inkSource>
+      <inkml:timestamp xml:id="ts0" timeString="2021-08-30T16:30:55.676"/>
+    </inkml:context>
+    <inkml:brush xml:id="br0">
+      <inkml:brushProperty name="width" value="0.05" units="cm"/>
+      <inkml:brushProperty name="height" value="0.05" units="cm"/>
+      <inkml:brushProperty name="color" value="#FF0066"/>
+    </inkml:brush>
+  </inkml:definitions>
+  <inkml:trace contextRef="#ctx0" brushRef="#br0">2 108 5528 0 0,'-1'-8'-2155'0'0,"1"-6"13738"0"0,4 25-6856 0 0,2 16-4299 0 0,0 0 0 0 0,-2-1-1 0 0,1 53 1 0 0,2 8-456 0 0,-6-65 76 0 0,0 0 0 0 0,-5 39 0 0 0,1 3 2083 0 0,3-62-1295 0 0,-2-4-702 0 0,1 0 0 0 0,0 0 1 0 0,0 0-1 0 0,0 0 0 0 0,0 0 1 0 0,1 0-1 0 0,-1 0 1 0 0,0-4-1 0 0,-3-33 8 0 0,2 0 0 0 0,2 0 1 0 0,2 0-1 0 0,1 0 0 0 0,12-55 0 0 0,10-8 157 0 0,-23 95-228 0 0,0 1 1 0 0,1-1-1 0 0,0 1 0 0 0,0-1 1 0 0,0 1-1 0 0,1 0 1 0 0,8-10-1 0 0,-9 12-27 0 0,0 1 0 0 0,0-1 1 0 0,1 1-1 0 0,0 0 0 0 0,-1-1 0 0 0,1 2 0 0 0,0-1 0 0 0,0 0 1 0 0,1 1-1 0 0,-1 0 0 0 0,0 0 0 0 0,6-2 0 0 0,-9 4-24 0 0,1 0 1 0 0,-1-1-1 0 0,0 1 0 0 0,0 0 1 0 0,1 0-1 0 0,-1 0 0 0 0,0 0 1 0 0,0 0-1 0 0,1 0 0 0 0,-1 1 1 0 0,0-1-1 0 0,0 0 0 0 0,0 1 1 0 0,1-1-1 0 0,-1 1 0 0 0,0-1 0 0 0,0 1 1 0 0,0-1-1 0 0,0 1 0 0 0,0 0 1 0 0,2 1-1 0 0,-1 0 11 0 0,0 0 0 0 0,-1 1 0 0 0,1-1 0 0 0,0 0 0 0 0,-1 1 0 0 0,1 0 1 0 0,-1-1-1 0 0,0 1 0 0 0,2 3 0 0 0,-1 1 27 0 0,0 0 1 0 0,0 1 0 0 0,-1-1-1 0 0,0 1 1 0 0,0 0 0 0 0,-1 13-1 0 0,-4 4 55 0 0,0-1 1 0 0,-2 0-1 0 0,-14 38 0 0 0,18-54-240 0 0,-1 0-1 0 0,0-1 0 0 0,-1 0 0 0 0,0 0 1 0 0,0 0-1 0 0,0 0 0 0 0,-1-1 0 0 0,0 1 1 0 0,0-1-1 0 0,-9 7 0 0 0,13-12-135 0 0,-5 4-299 0 0,5-1-2867 0 0</inkml:trace>
+</inkml:ink>
+</file>
+
+<file path=ppt/ink/ink13.xml><?xml version="1.0" encoding="utf-8"?>
+<inkml:ink xmlns:inkml="http://www.w3.org/2003/InkML">
+  <inkml:definitions>
+    <inkml:context xml:id="ctx0">
+      <inkml:inkSource xml:id="inkSrc0">
+        <inkml:traceFormat>
+          <inkml:channel name="X" type="integer" min="-2.14748E9" max="2.14748E9" units="cm"/>
+          <inkml:channel name="Y" type="integer" min="-2.14748E9" max="2.14748E9" units="cm"/>
+          <inkml:channel name="F" type="integer" max="32767" units="dev"/>
+          <inkml:channel name="OA" type="integer" max="360" units="deg"/>
+          <inkml:channel name="OE" type="integer" max="90" units="deg"/>
+        </inkml:traceFormat>
+        <inkml:channelProperties>
+          <inkml:channelProperty channel="X" name="resolution" value="1000" units="1/cm"/>
+          <inkml:channelProperty channel="Y" name="resolution" value="1000" units="1/cm"/>
+          <inkml:channelProperty channel="F" name="resolution" value="0" units="1/dev"/>
+          <inkml:channelProperty channel="OA" name="resolution" value="1000" units="1/deg"/>
+          <inkml:channelProperty channel="OE" name="resolution" value="1000" units="1/deg"/>
+        </inkml:channelProperties>
+      </inkml:inkSource>
+      <inkml:timestamp xml:id="ts0" timeString="2021-08-30T16:30:56.109"/>
+    </inkml:context>
+    <inkml:brush xml:id="br0">
+      <inkml:brushProperty name="width" value="0.05" units="cm"/>
+      <inkml:brushProperty name="height" value="0.05" units="cm"/>
+      <inkml:brushProperty name="color" value="#FF0066"/>
+    </inkml:brush>
+  </inkml:definitions>
+  <inkml:trace contextRef="#ctx0" brushRef="#br0">7 564 5064 0 0,'-1'-1'6656'0'0,"-3"-8"-2926"0"0,2-37 3228 0 0,7 1-4461 0 0,14-44-1070 0 0,-19 86-1293 0 0,64-214 1707 0 0,-27 99-1334 0 0,-35 110-470 0 0,-1 5-30 0 0,0-1-1 0 0,0 1 1 0 0,1 0 0 0 0,-1 0-1 0 0,1 0 1 0 0,2-4 0 0 0,-4 7-6 0 0,0-1-1 0 0,0 1 1 0 0,0 0 0 0 0,1 0-1 0 0,-1 0 1 0 0,0 0 0 0 0,0 0 0 0 0,0 0-1 0 0,0 0 1 0 0,0 0 0 0 0,0 0-1 0 0,1 0 1 0 0,-1 0 0 0 0,0 0 0 0 0,0 0-1 0 0,0 0 1 0 0,0 0 0 0 0,0 0 0 0 0,1 0-1 0 0,-1 0 1 0 0,0 0 0 0 0,0 0-1 0 0,0 0 1 0 0,0 0 0 0 0,0 0 0 0 0,1 0-1 0 0,-1 0 1 0 0,0 0 0 0 0,0 0-1 0 0,0 0 1 0 0,0 1 0 0 0,0-1 0 0 0,0 0-1 0 0,1 0 1 0 0,-1 0 0 0 0,0 0 0 0 0,0 0-1 0 0,0 0 1 0 0,0 0 0 0 0,0 1-1 0 0,0-1 1 0 0,0 0 0 0 0,0 0 0 0 0,0 0-1 0 0,0 0 1 0 0,0 0 0 0 0,0 1-1 0 0,4 6 19 0 0,5 14-10 0 0,-2 1-1 0 0,-1 0 0 0 0,0 0 1 0 0,1 23-1 0 0,9 33 27 0 0,-1-24 111 0 0,32 77-1 0 0,-11-43-204 0 0,-33-81-108 0 0,6 18-541 0 0,-8-24 355 0 0,-1 0-1 0 0,0 0 0 0 0,0 0 0 0 0,0 0 0 0 0,0 0 0 0 0,0 0 0 0 0,0 0 0 0 0,0 0 0 0 0,0 0 0 0 0,0 0 0 0 0,0 0 1 0 0,-1 1-1 0 0</inkml:trace>
+</inkml:ink>
+</file>
+
+<file path=ppt/ink/ink14.xml><?xml version="1.0" encoding="utf-8"?>
+<inkml:ink xmlns:inkml="http://www.w3.org/2003/InkML">
+  <inkml:definitions>
+    <inkml:context xml:id="ctx0">
+      <inkml:inkSource xml:id="inkSrc0">
+        <inkml:traceFormat>
+          <inkml:channel name="X" type="integer" min="-2.14748E9" max="2.14748E9" units="cm"/>
+          <inkml:channel name="Y" type="integer" min="-2.14748E9" max="2.14748E9" units="cm"/>
+          <inkml:channel name="F" type="integer" max="32767" units="dev"/>
+          <inkml:channel name="OA" type="integer" max="360" units="deg"/>
+          <inkml:channel name="OE" type="integer" max="90" units="deg"/>
+        </inkml:traceFormat>
+        <inkml:channelProperties>
+          <inkml:channelProperty channel="X" name="resolution" value="1000" units="1/cm"/>
+          <inkml:channelProperty channel="Y" name="resolution" value="1000" units="1/cm"/>
+          <inkml:channelProperty channel="F" name="resolution" value="0" units="1/dev"/>
+          <inkml:channelProperty channel="OA" name="resolution" value="1000" units="1/deg"/>
+          <inkml:channelProperty channel="OE" name="resolution" value="1000" units="1/deg"/>
+        </inkml:channelProperties>
+      </inkml:inkSource>
+      <inkml:timestamp xml:id="ts0" timeString="2021-08-30T16:30:56.521"/>
+    </inkml:context>
+    <inkml:brush xml:id="br0">
+      <inkml:brushProperty name="width" value="0.05" units="cm"/>
+      <inkml:brushProperty name="height" value="0.05" units="cm"/>
+      <inkml:brushProperty name="color" value="#FF0066"/>
+    </inkml:brush>
+  </inkml:definitions>
+  <inkml:trace contextRef="#ctx0" brushRef="#br0">0 147 21191 0 0,'0'0'2127'0'0,"6"-4"-1854"0"0,11-6 570 0 0,1 0-1 0 0,0 2 1 0 0,0 0-1 0 0,23-6 1 0 0,10-4 809 0 0,23-17-3348 0 0,-27 8-3311 0 0,-27 14-3426 0 0</inkml:trace>
+</inkml:ink>
+</file>
+
+<file path=ppt/ink/ink15.xml><?xml version="1.0" encoding="utf-8"?>
+<inkml:ink xmlns:inkml="http://www.w3.org/2003/InkML">
+  <inkml:definitions>
+    <inkml:context xml:id="ctx0">
+      <inkml:inkSource xml:id="inkSrc0">
+        <inkml:traceFormat>
+          <inkml:channel name="X" type="integer" min="-2.14748E9" max="2.14748E9" units="cm"/>
+          <inkml:channel name="Y" type="integer" min="-2.14748E9" max="2.14748E9" units="cm"/>
+          <inkml:channel name="F" type="integer" max="32767" units="dev"/>
+          <inkml:channel name="OA" type="integer" max="360" units="deg"/>
+          <inkml:channel name="OE" type="integer" max="90" units="deg"/>
+        </inkml:traceFormat>
+        <inkml:channelProperties>
+          <inkml:channelProperty channel="X" name="resolution" value="1000" units="1/cm"/>
+          <inkml:channelProperty channel="Y" name="resolution" value="1000" units="1/cm"/>
+          <inkml:channelProperty channel="F" name="resolution" value="0" units="1/dev"/>
+          <inkml:channelProperty channel="OA" name="resolution" value="1000" units="1/deg"/>
+          <inkml:channelProperty channel="OE" name="resolution" value="1000" units="1/deg"/>
+        </inkml:channelProperties>
+      </inkml:inkSource>
+      <inkml:timestamp xml:id="ts0" timeString="2021-08-30T16:30:56.863"/>
+    </inkml:context>
+    <inkml:brush xml:id="br0">
+      <inkml:brushProperty name="width" value="0.05" units="cm"/>
+      <inkml:brushProperty name="height" value="0.05" units="cm"/>
+      <inkml:brushProperty name="color" value="#FF0066"/>
+    </inkml:brush>
+  </inkml:definitions>
+  <inkml:trace contextRef="#ctx0" brushRef="#br0">11 29 21191 0 0,'0'0'480'0'0,"-4"0"560"0"0,-3 0 2744 0 0,180-11-779 0 0,-60 1-2922 0 0,-75 6-100 0 0,-25 3 17 0 0,-1-1 1 0 0,0 2-1 0 0,0-1 0 0 0,14 3 0 0 0,-26-2 2 0 0,1 0 0 0 0,-1 0-1 0 0,1 0 1 0 0,-1 0 0 0 0,1 0 0 0 0,-1 0 0 0 0,1 0-1 0 0,-1 1 1 0 0,1-1 0 0 0,-1 0 0 0 0,1 0-1 0 0,-1 1 1 0 0,1-1 0 0 0,-1 0 0 0 0,1 0 0 0 0,-1 1-1 0 0,0-1 1 0 0,1 1 0 0 0,-1-1 0 0 0,0 0-1 0 0,1 1 1 0 0,-1-1 0 0 0,0 1 0 0 0,1-1-1 0 0,-1 1 1 0 0,0 0 0 0 0,0 0 2 0 0,0 0-1 0 0,0-1 1 0 0,1 1-1 0 0,-2 0 1 0 0,1 0-1 0 0,0 0 1 0 0,0 0 0 0 0,0 0-1 0 0,0 0 1 0 0,-1 0-1 0 0,1 0 1 0 0,0 0-1 0 0,-1 1 1 0 0,-2 3 31 0 0,0 1 0 0 0,0-1 0 0 0,-7 7 0 0 0,9-10-10 0 0,-31 44 181 0 0,-38 71 0 0 0,-14 20-45 0 0,75-124-145 0 0,-35 52 52 0 0,43-63-54 0 0,-1 8-156 0 0,2-9-523 0 0,9-5-2895 0 0,2-3-5959 0 0</inkml:trace>
+</inkml:ink>
+</file>
+
+<file path=ppt/ink/ink16.xml><?xml version="1.0" encoding="utf-8"?>
+<inkml:ink xmlns:inkml="http://www.w3.org/2003/InkML">
+  <inkml:definitions>
+    <inkml:context xml:id="ctx0">
+      <inkml:inkSource xml:id="inkSrc0">
+        <inkml:traceFormat>
+          <inkml:channel name="X" type="integer" min="-2.14748E9" max="2.14748E9" units="cm"/>
+          <inkml:channel name="Y" type="integer" min="-2.14748E9" max="2.14748E9" units="cm"/>
+          <inkml:channel name="F" type="integer" max="32767" units="dev"/>
+          <inkml:channel name="OA" type="integer" max="360" units="deg"/>
+          <inkml:channel name="OE" type="integer" max="90" units="deg"/>
+        </inkml:traceFormat>
+        <inkml:channelProperties>
+          <inkml:channelProperty channel="X" name="resolution" value="1000" units="1/cm"/>
+          <inkml:channelProperty channel="Y" name="resolution" value="1000" units="1/cm"/>
+          <inkml:channelProperty channel="F" name="resolution" value="0" units="1/dev"/>
+          <inkml:channelProperty channel="OA" name="resolution" value="1000" units="1/deg"/>
+          <inkml:channelProperty channel="OE" name="resolution" value="1000" units="1/deg"/>
+        </inkml:channelProperties>
+      </inkml:inkSource>
+      <inkml:timestamp xml:id="ts0" timeString="2021-08-30T16:31:19.512"/>
+    </inkml:context>
+    <inkml:brush xml:id="br0">
+      <inkml:brushProperty name="width" value="0.05" units="cm"/>
+      <inkml:brushProperty name="height" value="0.05" units="cm"/>
+      <inkml:brushProperty name="color" value="#FF0066"/>
+    </inkml:brush>
+  </inkml:definitions>
+  <inkml:trace contextRef="#ctx0" brushRef="#br0">633 0 11976 0 0,'-15'1'1312'0'0,"10"-1"-763"0"0,2 0-159 0 0,0 0 0 0 0,0-1 0 0 0,1 2 0 0 0,-1-1 0 0 0,0 0 0 0 0,0 1 0 0 0,1-1 0 0 0,-1 1 0 0 0,0 0 0 0 0,1 0 0 0 0,-1 0 0 0 0,1 0 0 0 0,-1 0 0 0 0,1 0 0 0 0,-3 3 0 0 0,-13 10 53 0 0,0 1 0 0 0,-16 19 0 0 0,9-5-260 0 0,2 2 1 0 0,-32 54-1 0 0,-3 4 1226 0 0,4-17-1089 0 0,18-25 197 0 0,-31 55 0 0 0,24-32 35 0 0,-18 33 331 0 0,60-101-728 0 0,6-8 205 0 0,1 0-300 0 0,0-1 0 0 0,-1 0 0 0 0,0-1 1 0 0,0 1-1 0 0,0-1 0 0 0,-1 0 0 0 0,-1 0 1 0 0,1-1-1 0 0,2-10 0 0 0,24-68 59 0 0,7-21 98 0 0,-34 97-195 0 0,-1 6-51 0 0,0-1 0 0 0,-1 0 1 0 0,1 0-1 0 0,-1 0 0 0 0,0 0 0 0 0,-1 0 0 0 0,0-1 0 0 0,0 1 0 0 0,0 0 0 0 0,-1-7 0 0 0,1 13 29 0 0,-1-1 0 0 0,1 1 0 0 0,0 0 0 0 0,0-1 0 0 0,0 1 0 0 0,-1 0 0 0 0,1-1 0 0 0,0 1 0 0 0,0 0 1 0 0,-1 0-1 0 0,1-1 0 0 0,0 1 0 0 0,0 0 0 0 0,-1 0 0 0 0,1 0 0 0 0,0-1 0 0 0,-1 1 0 0 0,1 0 0 0 0,0 0 0 0 0,-1 0 0 0 0,1 0 0 0 0,0 0 0 0 0,-1 0 0 0 0,1 0 0 0 0,0 0 0 0 0,-1 0 0 0 0,1-1 0 0 0,-1 2 0 0 0,1-1 0 0 0,0 0 0 0 0,-1 0 0 0 0,1 0 0 0 0,0 0 0 0 0,-1 0 0 0 0,1 0 0 0 0,0 0 0 0 0,-1 0 0 0 0,1 0 0 0 0,0 1 1 0 0,-1-1-1 0 0,1 0 0 0 0,-1 0 0 0 0,-16 11 74 0 0,14-9-27 0 0,-5 5-21 0 0,1 1 1 0 0,-1 0 0 0 0,1 0-1 0 0,0 0 1 0 0,1 1 0 0 0,-11 19-1 0 0,13-20-23 0 0,-14 24-155 0 0,1 0 0 0 0,3 2 0 0 0,-21 64 0 0 0,27-70 145 0 0,-5 40 0 0 0,11-54 36 0 0,1-1 0 0 0,0 1 0 0 0,1-1 0 0 0,1 1 0 0 0,2 15 0 0 0,-2-28-13 0 0,-1 0-1 0 0,0 1 1 0 0,0-1-1 0 0,1 0 1 0 0,-1 0 0 0 0,1 0-1 0 0,-1 1 1 0 0,1-1-1 0 0,-1 0 1 0 0,1 0-1 0 0,0 0 1 0 0,-1 0 0 0 0,1 0-1 0 0,0 0 1 0 0,0 0-1 0 0,0 0 1 0 0,0 0-1 0 0,0 0 1 0 0,0 0-1 0 0,0-1 1 0 0,0 1 0 0 0,2 0-1 0 0,-1 0 10 0 0,0-1-1 0 0,0 1 1 0 0,0-1-1 0 0,0 0 1 0 0,0 0-1 0 0,0 0 1 0 0,0 0-1 0 0,0 0 1 0 0,0 0-1 0 0,0 0 1 0 0,0-1 0 0 0,0 1-1 0 0,2-2 1 0 0,3 0 30 0 0,-1-1 0 0 0,1 0 1 0 0,-1 0-1 0 0,0-1 0 0 0,0 0 0 0 0,0 0 1 0 0,7-7-1 0 0,57-57 337 0 0,53-51-2677 0 0,-114 110-475 0 0</inkml:trace>
+</inkml:ink>
+</file>
+
+<file path=ppt/ink/ink17.xml><?xml version="1.0" encoding="utf-8"?>
+<inkml:ink xmlns:inkml="http://www.w3.org/2003/InkML">
+  <inkml:definitions>
+    <inkml:context xml:id="ctx0">
+      <inkml:inkSource xml:id="inkSrc0">
+        <inkml:traceFormat>
+          <inkml:channel name="X" type="integer" min="-2.14748E9" max="2.14748E9" units="cm"/>
+          <inkml:channel name="Y" type="integer" min="-2.14748E9" max="2.14748E9" units="cm"/>
+          <inkml:channel name="F" type="integer" max="32767" units="dev"/>
+          <inkml:channel name="OA" type="integer" max="360" units="deg"/>
+          <inkml:channel name="OE" type="integer" max="90" units="deg"/>
+        </inkml:traceFormat>
+        <inkml:channelProperties>
+          <inkml:channelProperty channel="X" name="resolution" value="1000" units="1/cm"/>
+          <inkml:channelProperty channel="Y" name="resolution" value="1000" units="1/cm"/>
+          <inkml:channelProperty channel="F" name="resolution" value="0" units="1/dev"/>
+          <inkml:channelProperty channel="OA" name="resolution" value="1000" units="1/deg"/>
+          <inkml:channelProperty channel="OE" name="resolution" value="1000" units="1/deg"/>
+        </inkml:channelProperties>
+      </inkml:inkSource>
+      <inkml:timestamp xml:id="ts0" timeString="2021-08-30T16:31:20.726"/>
+    </inkml:context>
+    <inkml:brush xml:id="br0">
+      <inkml:brushProperty name="width" value="0.05" units="cm"/>
+      <inkml:brushProperty name="height" value="0.05" units="cm"/>
+      <inkml:brushProperty name="color" value="#FF0066"/>
+    </inkml:brush>
+  </inkml:definitions>
+  <inkml:trace contextRef="#ctx0" brushRef="#br0">76 62 9384 0 0,'-3'3'150'0'0,"0"-1"0"0"0,0 0 0 0 0,0 0 0 0 0,0-1 1 0 0,-1 1-1 0 0,1 0 0 0 0,0-1 0 0 0,-1 0 0 0 0,1 0 1 0 0,-1 0-1 0 0,0 0 0 0 0,1-1 0 0 0,-7 1 0 0 0,9-1 379 0 0,-1 0 0 0 0,1-1-1 0 0,0 1 1 0 0,0 0 0 0 0,0-1-1 0 0,-1 1 1 0 0,1-1 0 0 0,0 1-1 0 0,0-1 1 0 0,0 1-1 0 0,0-1 1 0 0,0 0 0 0 0,0 0-1 0 0,0 1 1 0 0,-1-3 0 0 0,1 3 179 0 0,-2-13 2664 0 0,5 11-3207 0 0,1 1 0 0 0,-1 0 0 0 0,0 0 0 0 0,1 0 0 0 0,-1 0 1 0 0,0 0-1 0 0,1 0 0 0 0,-1 1 0 0 0,1-1 0 0 0,0 1 0 0 0,-1 0 0 0 0,1-1 1 0 0,-1 1-1 0 0,1 0 0 0 0,-1 1 0 0 0,5 0 0 0 0,15 0 490 0 0,46 3-94 0 0,-38-2 170 0 0,39-2 0 0 0,201 0-357 0 0,-41 3 266 0 0,-125-5-386 0 0,57-4 151 0 0,-154 6-389 0 0,147-17 537 0 0,-59 4 6 0 0,-67 11-244 0 0,-28 1-356 0 0,1 0 1 0 0,-1 1 0 0 0,0-1-1 0 0,0 0 1 0 0,0 1 0 0 0,0-1 0 0 0,0 1-1 0 0,0-1 1 0 0,0 0 0 0 0,0 1-1 0 0,0-1 1 0 0,0 0 0 0 0,0 1-1 0 0,0-1 1 0 0,0 0 0 0 0,0 1 0 0 0,-1-1-1 0 0,1 1 1 0 0,0-1 0 0 0,-1 0-1 0 0,0 0 1 0 0,1 0-264 0 0,-2-2-599 0 0</inkml:trace>
+</inkml:ink>
+</file>
+
+<file path=ppt/ink/ink18.xml><?xml version="1.0" encoding="utf-8"?>
+<inkml:ink xmlns:inkml="http://www.w3.org/2003/InkML">
+  <inkml:definitions>
+    <inkml:context xml:id="ctx0">
+      <inkml:inkSource xml:id="inkSrc0">
+        <inkml:traceFormat>
+          <inkml:channel name="X" type="integer" min="-2.14748E9" max="2.14748E9" units="cm"/>
+          <inkml:channel name="Y" type="integer" min="-2.14748E9" max="2.14748E9" units="cm"/>
+          <inkml:channel name="F" type="integer" max="32767" units="dev"/>
+          <inkml:channel name="OA" type="integer" max="360" units="deg"/>
+          <inkml:channel name="OE" type="integer" max="90" units="deg"/>
+        </inkml:traceFormat>
+        <inkml:channelProperties>
+          <inkml:channelProperty channel="X" name="resolution" value="1000" units="1/cm"/>
+          <inkml:channelProperty channel="Y" name="resolution" value="1000" units="1/cm"/>
+          <inkml:channelProperty channel="F" name="resolution" value="0" units="1/dev"/>
+          <inkml:channelProperty channel="OA" name="resolution" value="1000" units="1/deg"/>
+          <inkml:channelProperty channel="OE" name="resolution" value="1000" units="1/deg"/>
+        </inkml:channelProperties>
+      </inkml:inkSource>
+      <inkml:timestamp xml:id="ts0" timeString="2021-08-30T16:31:24.712"/>
+    </inkml:context>
+    <inkml:brush xml:id="br0">
+      <inkml:brushProperty name="width" value="0.05" units="cm"/>
+      <inkml:brushProperty name="height" value="0.05" units="cm"/>
+      <inkml:brushProperty name="color" value="#FF0066"/>
+    </inkml:brush>
+  </inkml:definitions>
+  <inkml:trace contextRef="#ctx0" brushRef="#br0">345 137 8464 0 0,'0'0'388'0'0,"10"-7"144"0"0,-6 4-157 0 0,-1 0 0 0 0,0 0 0 0 0,-1 0-1 0 0,1-1 1 0 0,0 1 0 0 0,-1-1 0 0 0,0 0 0 0 0,0 0 0 0 0,0 1 0 0 0,0-1 0 0 0,-1 0 0 0 0,0-1 0 0 0,1 1 0 0 0,-1 0 0 0 0,-1 0 0 0 0,1 0 0 0 0,-1-1 0 0 0,1 1 0 0 0,-1 0 0 0 0,-1-1 0 0 0,1 1 0 0 0,-2-8-1 0 0,1 10-220 0 0,1 0 0 0 0,-1 0 0 0 0,0 1 0 0 0,0-1 0 0 0,0 0 0 0 0,-1 1 0 0 0,1-1 0 0 0,0 1-1 0 0,0-1 1 0 0,-1 1 0 0 0,1-1 0 0 0,-1 1 0 0 0,0 0 0 0 0,1 0 0 0 0,-1 0 0 0 0,0 0-1 0 0,1 0 1 0 0,-1 0 0 0 0,0 0 0 0 0,0 1 0 0 0,0-1 0 0 0,0 1 0 0 0,0-1 0 0 0,-2 1 0 0 0,-3-1 95 0 0,0 0 1 0 0,1 0-1 0 0,-1 1 1 0 0,1 0 0 0 0,-1 1-1 0 0,-7 0 1 0 0,-6 4 28 0 0,1 1-1 0 0,0 0 1 0 0,0 1-1 0 0,-27 15 1 0 0,30-12-156 0 0,1 1 1 0 0,0 0-1 0 0,1 1 1 0 0,0 0-1 0 0,1 1 1 0 0,-14 18-1 0 0,20-22-12 0 0,-1 1 0 0 0,1 0-1 0 0,1 0 1 0 0,0 1 0 0 0,0 0-1 0 0,-7 20 1 0 0,12-29-79 0 0,1 0 0 0 0,-1 0 0 0 0,1 1 0 0 0,-1-1 0 0 0,1 0 1 0 0,0 0-1 0 0,-1 1 0 0 0,1-1 0 0 0,0 0 0 0 0,1 0 0 0 0,-1 1 0 0 0,0-1 0 0 0,1 0 0 0 0,0 2 0 0 0,0-3-16 0 0,-1 0 1 0 0,1 0-1 0 0,0 0 0 0 0,0 0 1 0 0,-1 0-1 0 0,1 0 0 0 0,0 0 0 0 0,0 0 1 0 0,0 0-1 0 0,0-1 0 0 0,0 1 1 0 0,0 0-1 0 0,0-1 0 0 0,1 1 1 0 0,-1-1-1 0 0,0 0 0 0 0,0 1 1 0 0,0-1-1 0 0,1 0 0 0 0,-1 1 1 0 0,0-1-1 0 0,0 0 0 0 0,1 0 1 0 0,-1 0-1 0 0,2 0 0 0 0,3-1-2 0 0,-1 0 0 0 0,0 0-1 0 0,1 0 1 0 0,-1 0 0 0 0,0-1-1 0 0,0 1 1 0 0,0-2 0 0 0,0 1 0 0 0,0 0-1 0 0,0-1 1 0 0,6-4 0 0 0,6-6 44 0 0,24-23 1 0 0,-33 28 18 0 0,8-8 17 0 0,-1 0 0 0 0,22-33 1 0 0,-23 29 34 0 0,28-30 0 0 0,-22 26 417 0 0,-19 23-27 0 0,0 3-304 0 0,1 3-153 0 0,0 0 0 0 0,-1 0 0 0 0,1 0 0 0 0,-1 0 0 0 0,0 1 0 0 0,0-1 0 0 0,-1 0 0 0 0,1 1-1 0 0,-1-1 1 0 0,0 1 0 0 0,-1-1 0 0 0,-1 9 0 0 0,-1 7 109 0 0,-12 37-1 0 0,-64 170 154 0 0,76-217-283 0 0,0 1 1 0 0,0 0 0 0 0,-1 18-1 0 0,4-27-108 0 0,-1 0-1 0 0,1 0 1 0 0,0 0-1 0 0,0 0 1 0 0,0 0-1 0 0,1 0 1 0 0,-1 0-1 0 0,1 0 1 0 0,0 0-1 0 0,-1-1 1 0 0,1 1-1 0 0,0 0 1 0 0,1 0-1 0 0,-1-1 1 0 0,0 1-1 0 0,1-1 1 0 0,0 1-1 0 0,-1-1 1 0 0,1 0-1 0 0,2 3 1 0 0,-2-4-104 0 0,0 0 1 0 0,0 0 0 0 0,0 0 0 0 0,0-1-1 0 0,0 1 1 0 0,0 0 0 0 0,0-1-1 0 0,0 1 1 0 0,0-1 0 0 0,0 0-1 0 0,0 0 1 0 0,0 0 0 0 0,1 0 0 0 0,-1 0-1 0 0,0 0 1 0 0,0 0 0 0 0,0-1-1 0 0,0 1 1 0 0,0-1 0 0 0,0 0-1 0 0,0 1 1 0 0,0-1 0 0 0,0 0 0 0 0,2-2-1 0 0,13-8-1344 0 0</inkml:trace>
+</inkml:ink>
+</file>
+
+<file path=ppt/ink/ink19.xml><?xml version="1.0" encoding="utf-8"?>
+<inkml:ink xmlns:inkml="http://www.w3.org/2003/InkML">
+  <inkml:definitions>
+    <inkml:context xml:id="ctx0">
+      <inkml:inkSource xml:id="inkSrc0">
+        <inkml:traceFormat>
+          <inkml:channel name="X" type="integer" min="-2.14748E9" max="2.14748E9" units="cm"/>
+          <inkml:channel name="Y" type="integer" min="-2.14748E9" max="2.14748E9" units="cm"/>
+          <inkml:channel name="F" type="integer" max="32767" units="dev"/>
+          <inkml:channel name="OA" type="integer" max="360" units="deg"/>
+          <inkml:channel name="OE" type="integer" max="90" units="deg"/>
+        </inkml:traceFormat>
+        <inkml:channelProperties>
+          <inkml:channelProperty channel="X" name="resolution" value="1000" units="1/cm"/>
+          <inkml:channelProperty channel="Y" name="resolution" value="1000" units="1/cm"/>
+          <inkml:channelProperty channel="F" name="resolution" value="0" units="1/dev"/>
+          <inkml:channelProperty channel="OA" name="resolution" value="1000" units="1/deg"/>
+          <inkml:channelProperty channel="OE" name="resolution" value="1000" units="1/deg"/>
+        </inkml:channelProperties>
+      </inkml:inkSource>
+      <inkml:timestamp xml:id="ts0" timeString="2021-08-30T16:31:25.067"/>
+    </inkml:context>
+    <inkml:brush xml:id="br0">
+      <inkml:brushProperty name="width" value="0.05" units="cm"/>
+      <inkml:brushProperty name="height" value="0.05" units="cm"/>
+      <inkml:brushProperty name="color" value="#FF0066"/>
+    </inkml:brush>
+  </inkml:definitions>
+  <inkml:trace contextRef="#ctx0" brushRef="#br0">207 63 11056 0 0,'-5'-4'381'0'0,"0"0"0"0"0,0 0 0 0 0,0 1 0 0 0,0 0 0 0 0,-1 0 0 0 0,1 1 0 0 0,-1 0 0 0 0,0-1 0 0 0,1 2 0 0 0,-1-1 0 0 0,-7 0 0 0 0,9 2-18 0 0,1-1 0 0 0,-1 2 0 0 0,0-1 0 0 0,0 0 0 0 0,0 1 0 0 0,0 0 0 0 0,1 0 0 0 0,-1 0 0 0 0,0 0 0 0 0,1 1 0 0 0,-1-1 1 0 0,1 1-1 0 0,-1 0 0 0 0,1 0 0 0 0,0 0 0 0 0,-1 0 0 0 0,1 1 0 0 0,-4 4 0 0 0,1-1-157 0 0,1 1 0 0 0,0 0 0 0 0,0 0 0 0 0,0 1 0 0 0,1-1 0 0 0,0 1 0 0 0,0 0 1 0 0,1 0-1 0 0,0 0 0 0 0,0 1 0 0 0,-1 8 0 0 0,0 5 207 0 0,1 1 1 0 0,1-1-1 0 0,0 25 1 0 0,2-33-227 0 0,0-1 1 0 0,1 0 0 0 0,1 0 0 0 0,0 0 0 0 0,1 0 0 0 0,0-1-1 0 0,9 24 1 0 0,-10-32-133 0 0,0 0-1 0 0,0 0 0 0 0,1 0 0 0 0,-1 0 1 0 0,1 0-1 0 0,0-1 0 0 0,0 1 1 0 0,0-1-1 0 0,1 0 0 0 0,-1 0 1 0 0,1 0-1 0 0,0 0 0 0 0,-1-1 0 0 0,1 1 1 0 0,0-1-1 0 0,1 0 0 0 0,-1 0 1 0 0,0-1-1 0 0,0 1 0 0 0,1-1 1 0 0,-1 0-1 0 0,1 0 0 0 0,-1 0 1 0 0,1-1-1 0 0,7 0 0 0 0,-3 0-9 0 0,0-1 0 0 0,0 0-1 0 0,0 0 1 0 0,-1-1 0 0 0,1 0-1 0 0,-1-1 1 0 0,1 0 0 0 0,-1 0-1 0 0,0-1 1 0 0,0 0 0 0 0,0 0 0 0 0,0-1-1 0 0,-1 0 1 0 0,0 0 0 0 0,0-1-1 0 0,0 0 1 0 0,9-11 0 0 0,-7 6-4 0 0,0-1-1 0 0,0 0 1 0 0,-2-1 0 0 0,1 0 0 0 0,-1 0 0 0 0,-1 0 0 0 0,-1-1 0 0 0,1 0 0 0 0,4-27-1 0 0,13-110-927 0 0,-17 85-8977 0 0,-3 48 1227 0 0</inkml:trace>
+</inkml:ink>
+</file>
+
+<file path=ppt/ink/ink2.xml><?xml version="1.0" encoding="utf-8"?>
+<inkml:ink xmlns:inkml="http://www.w3.org/2003/InkML">
+  <inkml:definitions>
+    <inkml:context xml:id="ctx0">
+      <inkml:inkSource xml:id="inkSrc0">
+        <inkml:traceFormat>
+          <inkml:channel name="X" type="integer" min="-2.14748E9" max="2.14748E9" units="cm"/>
+          <inkml:channel name="Y" type="integer" min="-2.14748E9" max="2.14748E9" units="cm"/>
+          <inkml:channel name="F" type="integer" max="32767" units="dev"/>
+          <inkml:channel name="OA" type="integer" max="360" units="deg"/>
+          <inkml:channel name="OE" type="integer" max="90" units="deg"/>
+        </inkml:traceFormat>
+        <inkml:channelProperties>
+          <inkml:channelProperty channel="X" name="resolution" value="1000" units="1/cm"/>
+          <inkml:channelProperty channel="Y" name="resolution" value="1000" units="1/cm"/>
+          <inkml:channelProperty channel="F" name="resolution" value="0" units="1/dev"/>
+          <inkml:channelProperty channel="OA" name="resolution" value="1000" units="1/deg"/>
+          <inkml:channelProperty channel="OE" name="resolution" value="1000" units="1/deg"/>
+        </inkml:channelProperties>
+      </inkml:inkSource>
+      <inkml:timestamp xml:id="ts0" timeString="2021-08-30T16:30:43.969"/>
+    </inkml:context>
+    <inkml:brush xml:id="br0">
+      <inkml:brushProperty name="width" value="0.05" units="cm"/>
+      <inkml:brushProperty name="height" value="0.05" units="cm"/>
+      <inkml:brushProperty name="color" value="#FF0066"/>
+    </inkml:brush>
+  </inkml:definitions>
+  <inkml:trace contextRef="#ctx0" brushRef="#br0">9 112 2304 0 0,'0'0'11353'0'0,"-1"-1"-10957"0"0,0 0 0 0 0,0 0-1 0 0,0 0 1 0 0,0 0 0 0 0,1 0 0 0 0,-1 0 0 0 0,0 0 0 0 0,1-1 0 0 0,-1-1-1 0 0,1 2-279 0 0,0 0-1 0 0,1 0 1 0 0,-1 0-1 0 0,1 0 0 0 0,-1 0 1 0 0,1 0-1 0 0,0 0 0 0 0,-1 0 1 0 0,1 0-1 0 0,0 0 0 0 0,0 1 1 0 0,0-1-1 0 0,0 0 0 0 0,-1 0 1 0 0,1 1-1 0 0,0-1 0 0 0,0 0 1 0 0,0 1-1 0 0,0-1 0 0 0,1 1 1 0 0,-1 0-1 0 0,1-1 0 0 0,29-6 1401 0 0,-20 6-927 0 0,18 1 347 0 0,-10 1-363 0 0,47-2 306 0 0,-23-1-483 0 0,44 5 1 0 0,-84-3-269 0 0,1 0 5 0 0,114 3 427 0 0,12 0 620 0 0,44-11-1112 0 0,-134 9 120 0 0,69 8 0 0 0,-53 1 4 0 0,-17-2-107 0 0,-26-5-29 0 0,0-1-1 0 0,0 0 0 0 0,16 1 1 0 0,4-5 54 0 0,36-5 1 0 0,-18 1-10 0 0,-4 2 30 0 0,26-2 117 0 0,-9 0 152 0 0,-43 5-285 0 0,42-8 1 0 0,5-1 148 0 0,7-2-114 0 0,-61 10-116 0 0,0 0 0 0 0,0 1-1 0 0,16 0 1 0 0,-13 1 8 0 0,23-4 0 0 0,-24 3 23 0 0,1 0 1 0 0,0 1-1 0 0,-1 0 0 0 0,24 5 1 0 0,-36-5-65 0 0,68 7 63 0 0,-54-6-48 0 0,22 0 0 0 0,-21-1 0 0 0,21 3 0 0 0,19 1 720 0 0,-56-3-729 0 0,0-1-1 0 0,0 0 1 0 0,0 0 0 0 0,1-1-1 0 0,4 0 1 0 0,16-1-15 0 0,16 3-243 0 0,-28-1 143 0 0,0 1-1 0 0,12 1 1 0 0,-2 3 125 0 0,-11-3 8 0 0,1 0 0 0 0,-1 0 0 0 0,20-1 0 0 0,-27-1 14 0 0,0 0-1 0 0,-1-1 0 0 0,1 1 0 0 0,-1-1 1 0 0,1 0-1 0 0,-1 0 0 0 0,1 0 1 0 0,-1 0-1 0 0,5-3 0 0 0,5 1 27 0 0,-13 3-64 0 0,1 0 0 0 0,0 0-1 0 0,-1 0 1 0 0,1 0-1 0 0,0 0 1 0 0,-1-1 0 0 0,1 1-1 0 0,0 0 1 0 0,-1 0 0 0 0,1-1-1 0 0,-1 1 1 0 0,1 0-1 0 0,-1-1 1 0 0,1 1 0 0 0,-1-1-1 0 0,1 1 1 0 0,-1-1-1 0 0,1 1 1 0 0,0-2 0 0 0,1 0-3 0 0,14-12 2 0 0,-13 11 0 0 0,0 1 0 0 0,0-1 0 0 0,0 0 0 0 0,0 1 0 0 0,6-3 0 0 0,-8 4 4 0 0,-1 1-5 0 0,1 0 0 0 0,-1 0 0 0 0,0 0 0 0 0,0 0 0 0 0,0 0 0 0 0,1 0 0 0 0,-1 0 0 0 0,0 0 0 0 0,0 0 0 0 0,0 0 0 0 0,1 0 1 0 0,-1 0-1 0 0,0 0 0 0 0,0 0 0 0 0,0 0 0 0 0,0 0 0 0 0,1-1 0 0 0,-1 1 0 0 0,0 0 0 0 0,0 0 0 0 0,0 0 0 0 0,0 0 1 0 0,0 0-1 0 0,0-1 0 0 0,0 1 0 0 0,1 0 0 0 0,-1 0 0 0 0,0 0 0 0 0,0-1 0 0 0,0 1 0 0 0,0 0 0 0 0,0 0 0 0 0,11-11-884 0 0</inkml:trace>
+</inkml:ink>
+</file>
+
+<file path=ppt/ink/ink20.xml><?xml version="1.0" encoding="utf-8"?>
+<inkml:ink xmlns:inkml="http://www.w3.org/2003/InkML">
+  <inkml:definitions>
+    <inkml:context xml:id="ctx0">
+      <inkml:inkSource xml:id="inkSrc0">
+        <inkml:traceFormat>
+          <inkml:channel name="X" type="integer" min="-2.14748E9" max="2.14748E9" units="cm"/>
+          <inkml:channel name="Y" type="integer" min="-2.14748E9" max="2.14748E9" units="cm"/>
+          <inkml:channel name="F" type="integer" max="32767" units="dev"/>
+          <inkml:channel name="OA" type="integer" max="360" units="deg"/>
+          <inkml:channel name="OE" type="integer" max="90" units="deg"/>
+        </inkml:traceFormat>
+        <inkml:channelProperties>
+          <inkml:channelProperty channel="X" name="resolution" value="1000" units="1/cm"/>
+          <inkml:channelProperty channel="Y" name="resolution" value="1000" units="1/cm"/>
+          <inkml:channelProperty channel="F" name="resolution" value="0" units="1/dev"/>
+          <inkml:channelProperty channel="OA" name="resolution" value="1000" units="1/deg"/>
+          <inkml:channelProperty channel="OE" name="resolution" value="1000" units="1/deg"/>
+        </inkml:channelProperties>
+      </inkml:inkSource>
+      <inkml:timestamp xml:id="ts0" timeString="2021-08-30T16:31:25.425"/>
+    </inkml:context>
+    <inkml:brush xml:id="br0">
+      <inkml:brushProperty name="width" value="0.05" units="cm"/>
+      <inkml:brushProperty name="height" value="0.05" units="cm"/>
+      <inkml:brushProperty name="color" value="#FF0066"/>
+    </inkml:brush>
+  </inkml:definitions>
+  <inkml:trace contextRef="#ctx0" brushRef="#br0">177 7 16815 0 0,'0'0'770'0'0,"-6"-1"254"0"0,-2 0-626 0 0,1-1 1 0 0,-1 1-1 0 0,0 0 0 0 0,0 1 1 0 0,0-1-1 0 0,0 2 1 0 0,0-1-1 0 0,-9 3 0 0 0,12-2-251 0 0,1 0 0 0 0,-1 0 0 0 0,1 1 0 0 0,0 0-1 0 0,0 0 1 0 0,0 0 0 0 0,0 1 0 0 0,0-1 0 0 0,0 1-1 0 0,1 0 1 0 0,-1 0 0 0 0,1 0 0 0 0,0 0 0 0 0,0 1-1 0 0,-5 7 1 0 0,4-6-27 0 0,1 0 0 0 0,-1 1-1 0 0,1 0 1 0 0,1 0 0 0 0,-1 0 0 0 0,-1 7-1 0 0,3-11-101 0 0,1 0 1 0 0,-1 1-1 0 0,1-1 0 0 0,0 0 0 0 0,0 0 0 0 0,0 1 0 0 0,0-1 0 0 0,0 0 1 0 0,1 0-1 0 0,-1 1 0 0 0,1-1 0 0 0,-1 0 0 0 0,1 0 0 0 0,0 0 0 0 0,0 0 1 0 0,0 0-1 0 0,0 0 0 0 0,0 0 0 0 0,0 0 0 0 0,1 0 0 0 0,1 2 1 0 0,-1-3-53 0 0,0 1 1 0 0,-1-1-1 0 0,1 0 1 0 0,0 0 0 0 0,0 0-1 0 0,0 0 1 0 0,0 0-1 0 0,0-1 1 0 0,0 1 0 0 0,0 0-1 0 0,0-1 1 0 0,0 0 0 0 0,0 1-1 0 0,1-1 1 0 0,-1 0-1 0 0,4-1 1 0 0,1 1-577 0 0,1-1 0 0 0,0 0 1 0 0,10-3-1 0 0,14-8-2281 0 0,-17 5 911 0 0</inkml:trace>
+</inkml:ink>
+</file>
+
+<file path=ppt/ink/ink21.xml><?xml version="1.0" encoding="utf-8"?>
+<inkml:ink xmlns:inkml="http://www.w3.org/2003/InkML">
+  <inkml:definitions>
+    <inkml:context xml:id="ctx0">
+      <inkml:inkSource xml:id="inkSrc0">
+        <inkml:traceFormat>
+          <inkml:channel name="X" type="integer" min="-2.14748E9" max="2.14748E9" units="cm"/>
+          <inkml:channel name="Y" type="integer" min="-2.14748E9" max="2.14748E9" units="cm"/>
+          <inkml:channel name="F" type="integer" max="32767" units="dev"/>
+          <inkml:channel name="OA" type="integer" max="360" units="deg"/>
+          <inkml:channel name="OE" type="integer" max="90" units="deg"/>
+        </inkml:traceFormat>
+        <inkml:channelProperties>
+          <inkml:channelProperty channel="X" name="resolution" value="1000" units="1/cm"/>
+          <inkml:channelProperty channel="Y" name="resolution" value="1000" units="1/cm"/>
+          <inkml:channelProperty channel="F" name="resolution" value="0" units="1/dev"/>
+          <inkml:channelProperty channel="OA" name="resolution" value="1000" units="1/deg"/>
+          <inkml:channelProperty channel="OE" name="resolution" value="1000" units="1/deg"/>
+        </inkml:channelProperties>
+      </inkml:inkSource>
+      <inkml:timestamp xml:id="ts0" timeString="2021-08-30T16:31:25.796"/>
+    </inkml:context>
+    <inkml:brush xml:id="br0">
+      <inkml:brushProperty name="width" value="0.05" units="cm"/>
+      <inkml:brushProperty name="height" value="0.05" units="cm"/>
+      <inkml:brushProperty name="color" value="#FF0066"/>
+    </inkml:brush>
+  </inkml:definitions>
+  <inkml:trace contextRef="#ctx0" brushRef="#br0">286 0 14800 0 0,'0'0'1342'0'0,"-4"18"-859"0"0,-46 85 1989 0 0,-77 143 6046 0 0,107-211-8492 0 0,1 1 0 0 0,2 1 0 0 0,1 0 0 0 0,-13 49-1 0 0,28-81-8 0 0,0 1-1 0 0,0-1 0 0 0,1 1 0 0 0,-1 0 0 0 0,1-1 0 0 0,0 1 0 0 0,2 7 0 0 0,-2-11-94 0 0,0-1-1 0 0,0 0 1 0 0,0 1 0 0 0,1-1 0 0 0,-1 0 0 0 0,0 0 0 0 0,1 0 0 0 0,-1 1 0 0 0,1-1-1 0 0,0 0 1 0 0,-1 0 0 0 0,1 0 0 0 0,0 0 0 0 0,0 0 0 0 0,-1 0 0 0 0,1 0 0 0 0,0 0-1 0 0,0 0 1 0 0,0 0 0 0 0,0-1 0 0 0,0 1 0 0 0,0 0 0 0 0,1-1 0 0 0,-1 1-1 0 0,0-1 1 0 0,0 1 0 0 0,0-1 0 0 0,1 1 0 0 0,-1-1 0 0 0,0 0 0 0 0,0 1 0 0 0,1-1-1 0 0,-1 0 1 0 0,0 0 0 0 0,1 0 0 0 0,1-1 0 0 0,33-7-2950 0 0,-14-1 1369 0 0</inkml:trace>
+  <inkml:trace contextRef="#ctx0" brushRef="#br0" timeOffset="1">294 446 4608 0 0,'-9'-7'488'0'0,"8"7"-319"0"0,0 0-1 0 0,0-1 1 0 0,0 1 0 0 0,0 0 0 0 0,-1 0 0 0 0,1 0-1 0 0,0 0 1 0 0,0 0 0 0 0,0 0 0 0 0,-1 0-1 0 0,1 0 1 0 0,-2 1 0 0 0,1 0 764 0 0,-1 0 0 0 0,1 0-1 0 0,-1 0 1 0 0,1 0 0 0 0,0 1 0 0 0,-1-1 0 0 0,1 1 0 0 0,-3 3 0 0 0,-15 18 7590 0 0,11-9-6101 0 0,8-13-2265 0 0,0 1 0 0 0,0-1 0 0 0,0 1 0 0 0,1 0 0 0 0,-1-1 0 0 0,0 1 0 0 0,1 0 0 0 0,-1-1 0 0 0,1 1 0 0 0,0 0 0 0 0,-1 0 0 0 0,1-1 0 0 0,0 1 0 0 0,0 0 0 0 0,1 3 0 0 0,-1-5-96 0 0,0 1-1 0 0,0 0 1 0 0,1-1-1 0 0,-1 1 1 0 0,0-1-1 0 0,1 1 1 0 0,-1-1-1 0 0,0 0 1 0 0,1 1-1 0 0,-1-1 1 0 0,0 1-1 0 0,1-1 1 0 0,-1 1-1 0 0,1-1 1 0 0,-1 0-1 0 0,1 0 1 0 0,-1 1 0 0 0,1-1-1 0 0,0 0 1 0 0,1 1-23 0 0,-1-1 0 0 0,1 1 0 0 0,-1-1 0 0 0,1 0 0 0 0,0 0 0 0 0,-1 0 0 0 0,1 0 0 0 0,-1 0 0 0 0,4 0 0 0 0,-1-1 9 0 0,0 0 0 0 0,0-1 0 0 0,0 1 1 0 0,0-1-1 0 0,0 0 0 0 0,0 0 0 0 0,0 0 0 0 0,-1 0 1 0 0,1-1-1 0 0,-1 1 0 0 0,1-1 0 0 0,3-4 0 0 0,3-4 44 0 0,0 0-1 0 0,9-15 0 0 0,-14 19-137 0 0,0-1 1 0 0,0 0 0 0 0,-1 0-1 0 0,0 0 1 0 0,-1-1-1 0 0,0 1 1 0 0,0-1 0 0 0,2-12-1 0 0,-4 13-2275 0 0,0 0 0 0 0,0 0 1 0 0,-2-10-1 0 0,0 1-7111 0 0</inkml:trace>
+</inkml:ink>
+</file>
+
+<file path=ppt/ink/ink22.xml><?xml version="1.0" encoding="utf-8"?>
+<inkml:ink xmlns:inkml="http://www.w3.org/2003/InkML">
+  <inkml:definitions>
+    <inkml:context xml:id="ctx0">
+      <inkml:inkSource xml:id="inkSrc0">
+        <inkml:traceFormat>
+          <inkml:channel name="X" type="integer" min="-2.14748E9" max="2.14748E9" units="cm"/>
+          <inkml:channel name="Y" type="integer" min="-2.14748E9" max="2.14748E9" units="cm"/>
+          <inkml:channel name="F" type="integer" max="32767" units="dev"/>
+          <inkml:channel name="OA" type="integer" max="360" units="deg"/>
+          <inkml:channel name="OE" type="integer" max="90" units="deg"/>
+        </inkml:traceFormat>
+        <inkml:channelProperties>
+          <inkml:channelProperty channel="X" name="resolution" value="1000" units="1/cm"/>
+          <inkml:channelProperty channel="Y" name="resolution" value="1000" units="1/cm"/>
+          <inkml:channelProperty channel="F" name="resolution" value="0" units="1/dev"/>
+          <inkml:channelProperty channel="OA" name="resolution" value="1000" units="1/deg"/>
+          <inkml:channelProperty channel="OE" name="resolution" value="1000" units="1/deg"/>
+        </inkml:channelProperties>
+      </inkml:inkSource>
+      <inkml:timestamp xml:id="ts0" timeString="2021-08-30T16:31:55.580"/>
+    </inkml:context>
+    <inkml:brush xml:id="br0">
+      <inkml:brushProperty name="width" value="0.05" units="cm"/>
+      <inkml:brushProperty name="height" value="0.05" units="cm"/>
+      <inkml:brushProperty name="color" value="#FF0066"/>
+    </inkml:brush>
+  </inkml:definitions>
+  <inkml:trace contextRef="#ctx0" brushRef="#br0">97 443 3680 0 0,'-15'9'123'0'0,"10"-6"-76"0"0,-1 1 1 0 0,0-1-1 0 0,0 0 0 0 0,-7 2 1 0 0,-12 8 8683 0 0,5-1 2485 0 0,32-10-9997 0 0,-4-1-994 0 0,1-2 0 0 0,-1 1 0 0 0,0-1 0 0 0,1-1 0 0 0,-1 1 0 0 0,11-5 0 0 0,2 1 41 0 0,44-13 730 0 0,119-52-1 0 0,-106 38-595 0 0,-37 16-222 0 0,223-96 517 0 0,98-29-411 0 0,-249 102-269 0 0,-66 24 16 0 0,1 2 1 0 0,55-8-1 0 0,-86 19 169 0 0,0 1 0 0 0,0 0 0 0 0,27 3 0 0 0,-31-1-391 0 0,0 1 0 0 0,22 7 0 0 0,-27-7-151 0 0,-1 2-1 0 0,0-1 1 0 0,0 1 0 0 0,0 0 0 0 0,-1 0-1 0 0,1 1 1 0 0,6 5 0 0 0,9 11-8445 0 0</inkml:trace>
+</inkml:ink>
+</file>
+
+<file path=ppt/ink/ink23.xml><?xml version="1.0" encoding="utf-8"?>
+<inkml:ink xmlns:inkml="http://www.w3.org/2003/InkML">
+  <inkml:definitions>
+    <inkml:context xml:id="ctx0">
+      <inkml:inkSource xml:id="inkSrc0">
+        <inkml:traceFormat>
+          <inkml:channel name="X" type="integer" min="-2.14748E9" max="2.14748E9" units="cm"/>
+          <inkml:channel name="Y" type="integer" min="-2.14748E9" max="2.14748E9" units="cm"/>
+          <inkml:channel name="F" type="integer" max="32767" units="dev"/>
+          <inkml:channel name="OA" type="integer" max="360" units="deg"/>
+          <inkml:channel name="OE" type="integer" max="90" units="deg"/>
+        </inkml:traceFormat>
+        <inkml:channelProperties>
+          <inkml:channelProperty channel="X" name="resolution" value="1000" units="1/cm"/>
+          <inkml:channelProperty channel="Y" name="resolution" value="1000" units="1/cm"/>
+          <inkml:channelProperty channel="F" name="resolution" value="0" units="1/dev"/>
+          <inkml:channelProperty channel="OA" name="resolution" value="1000" units="1/deg"/>
+          <inkml:channelProperty channel="OE" name="resolution" value="1000" units="1/deg"/>
+        </inkml:channelProperties>
+      </inkml:inkSource>
+      <inkml:timestamp xml:id="ts0" timeString="2021-08-30T16:32:10.595"/>
+    </inkml:context>
+    <inkml:brush xml:id="br0">
+      <inkml:brushProperty name="width" value="0.05" units="cm"/>
+      <inkml:brushProperty name="height" value="0.05" units="cm"/>
+      <inkml:brushProperty name="color" value="#FF0066"/>
+    </inkml:brush>
+  </inkml:definitions>
+  <inkml:trace contextRef="#ctx0" brushRef="#br0">17 48 2760 0 0,'-17'-12'19895'0'0,"23"14"-19742"0"0,-1 0 0 0 0,0-1 0 0 0,0 0-1 0 0,1 0 1 0 0,9 0 0 0 0,10 1 484 0 0,22 2 401 0 0,-15-3-550 0 0,11 2 52 0 0,72 11 600 0 0,-89-9-929 0 0,1-2 0 0 0,44 2 0 0 0,42-2 904 0 0,-58-3-469 0 0,70-10 0 0 0,-40 4 123 0 0,-35 4-402 0 0,61-11 174 0 0,-104 13-503 0 0,1-1 0 0 0,-1 0-1 0 0,1 0 1 0 0,-1-1 0 0 0,1 0-1 0 0,-1 0 1 0 0,13-6 0 0 0,-18 5-21 0 0,1 1 1 0 0,-1 0 0 0 0,0 0-1 0 0,0-1 1 0 0,0 1 0 0 0,2-5 0 0 0,6-7-786 0 0,-9 13 352 0 0</inkml:trace>
+</inkml:ink>
+</file>
+
+<file path=ppt/ink/ink24.xml><?xml version="1.0" encoding="utf-8"?>
+<inkml:ink xmlns:inkml="http://www.w3.org/2003/InkML">
+  <inkml:definitions>
+    <inkml:context xml:id="ctx0">
+      <inkml:inkSource xml:id="inkSrc0">
+        <inkml:traceFormat>
+          <inkml:channel name="X" type="integer" min="-2.14748E9" max="2.14748E9" units="cm"/>
+          <inkml:channel name="Y" type="integer" min="-2.14748E9" max="2.14748E9" units="cm"/>
+          <inkml:channel name="F" type="integer" max="32767" units="dev"/>
+          <inkml:channel name="OA" type="integer" max="360" units="deg"/>
+          <inkml:channel name="OE" type="integer" max="90" units="deg"/>
+        </inkml:traceFormat>
+        <inkml:channelProperties>
+          <inkml:channelProperty channel="X" name="resolution" value="1000" units="1/cm"/>
+          <inkml:channelProperty channel="Y" name="resolution" value="1000" units="1/cm"/>
+          <inkml:channelProperty channel="F" name="resolution" value="0" units="1/dev"/>
+          <inkml:channelProperty channel="OA" name="resolution" value="1000" units="1/deg"/>
+          <inkml:channelProperty channel="OE" name="resolution" value="1000" units="1/deg"/>
+        </inkml:channelProperties>
+      </inkml:inkSource>
+      <inkml:timestamp xml:id="ts0" timeString="2021-08-30T16:32:12.081"/>
+    </inkml:context>
+    <inkml:brush xml:id="br0">
+      <inkml:brushProperty name="width" value="0.05" units="cm"/>
+      <inkml:brushProperty name="height" value="0.05" units="cm"/>
+      <inkml:brushProperty name="color" value="#FF0066"/>
+    </inkml:brush>
+  </inkml:definitions>
+  <inkml:trace contextRef="#ctx0" brushRef="#br0">50 63 3224 0 0,'-2'-1'7935'0'0,"-10"-4"-1603"0"0,-13 4-488 0 0,25 0-5718 0 0,-1 1-1 0 0,0 0 1 0 0,1-1-1 0 0,-1 1 1 0 0,1 0-1 0 0,-1-1 1 0 0,0 1-1 0 0,1-1 1 0 0,-1 1-1 0 0,1-1 0 0 0,-1 1 1 0 0,1-1-1 0 0,0 1 1 0 0,-1-1-1 0 0,1 0 1 0 0,-1 1-1 0 0,1-1 1 0 0,0 1-1 0 0,0-1 1 0 0,-1 0-1 0 0,1 1 1 0 0,0-1-1 0 0,0 0 1 0 0,0 1-1 0 0,0-1 1 0 0,0 0-1 0 0,0 0 0 0 0,0 1 1 0 0,0-1-1 0 0,0 0 1 0 0,0 1-1 0 0,0-1 1 0 0,0 0-1 0 0,0 1 1 0 0,1-1-1 0 0,-1 0 1 0 0,1 0-1 0 0,1-2-72 0 0,1 1 0 0 0,0-1 0 0 0,-1 1 1 0 0,1 0-1 0 0,0 0 0 0 0,1 0 0 0 0,-1 0 0 0 0,0 1 0 0 0,0-1 0 0 0,1 1 0 0 0,-1 0 0 0 0,5-1 1 0 0,5-1-42 0 0,-1 2 1 0 0,17-1 0 0 0,-10 1 55 0 0,-6 1-55 0 0,0 0 0 0 0,0 1 0 0 0,14 3-1 0 0,14 1 65 0 0,69 5 103 0 0,49 2 150 0 0,-74-14-98 0 0,-21 0 38 0 0,76 9 1 0 0,57 2 1057 0 0,-45-4-1097 0 0,-139-4-122 0 0,8-1 47 0 0,-12-1-71 0 0,18-6 226 0 0,-26 7-263 0 0,1-2-25 0 0,-2 1 19 0 0,0-2-56 0 0,0 2-114 0 0,-13-4-2044 0 0,5 4-1649 0 0,4-1 1711 0 0</inkml:trace>
+</inkml:ink>
+</file>
+
+<file path=ppt/ink/ink25.xml><?xml version="1.0" encoding="utf-8"?>
+<inkml:ink xmlns:inkml="http://www.w3.org/2003/InkML">
+  <inkml:definitions>
+    <inkml:context xml:id="ctx0">
+      <inkml:inkSource xml:id="inkSrc0">
+        <inkml:traceFormat>
+          <inkml:channel name="X" type="integer" min="-2.14748E9" max="2.14748E9" units="cm"/>
+          <inkml:channel name="Y" type="integer" min="-2.14748E9" max="2.14748E9" units="cm"/>
+          <inkml:channel name="F" type="integer" max="32767" units="dev"/>
+          <inkml:channel name="OA" type="integer" max="360" units="deg"/>
+          <inkml:channel name="OE" type="integer" max="90" units="deg"/>
+        </inkml:traceFormat>
+        <inkml:channelProperties>
+          <inkml:channelProperty channel="X" name="resolution" value="1000" units="1/cm"/>
+          <inkml:channelProperty channel="Y" name="resolution" value="1000" units="1/cm"/>
+          <inkml:channelProperty channel="F" name="resolution" value="0" units="1/dev"/>
+          <inkml:channelProperty channel="OA" name="resolution" value="1000" units="1/deg"/>
+          <inkml:channelProperty channel="OE" name="resolution" value="1000" units="1/deg"/>
+        </inkml:channelProperties>
+      </inkml:inkSource>
+      <inkml:timestamp xml:id="ts0" timeString="2021-08-30T16:32:23.532"/>
+    </inkml:context>
+    <inkml:brush xml:id="br0">
+      <inkml:brushProperty name="width" value="0.05" units="cm"/>
+      <inkml:brushProperty name="height" value="0.05" units="cm"/>
+      <inkml:brushProperty name="color" value="#FF0066"/>
+    </inkml:brush>
+  </inkml:definitions>
+  <inkml:trace contextRef="#ctx0" brushRef="#br0">56 88 7168 0 0,'0'0'652'0'0,"-10"5"946"0"0,-35-2 15515 0 0,45-3-16982 0 0,4-3 22 0 0,0 1-1 0 0,0-1 1 0 0,1 1 0 0 0,-1 0 0 0 0,1 0-1 0 0,7-1 1 0 0,8-5-170 0 0,40-13 1065 0 0,-43 15-856 0 0,1 0-1 0 0,0 1 1 0 0,31-5 0 0 0,58 0-436 0 0,-35 4 585 0 0,14 1 74 0 0,161 12 1 0 0,-222-6-355 0 0,62 6 111 0 0,104 2 137 0 0,-143-9-168 0 0,-1 3 0 0 0,1 2 0 0 0,51 12 0 0 0,39 5 79 0 0,-66-13-220 0 0,19 2 0 0 0,-67-7-5 0 0,-18-3 10 0 0,-1 0-1 0 0,1 0 1 0 0,-1 0-1 0 0,1-1 1 0 0,-1 0-1 0 0,12-1 1 0 0,-8-3 481 0 0,4 1-100 0 0,-8 2-376 0 0,-1 1 0 0 0,1-1 0 0 0,0 0 1 0 0,-1 0-1 0 0,0 0 0 0 0,1-1 0 0 0,4-2 1 0 0,-4 2-8 0 0,-4 1-3 0 0,0 1 0 0 0,0-1 0 0 0,0 0 0 0 0,-1 0 0 0 0,1 0 0 0 0,0 1 0 0 0,0-1 0 0 0,-1 0 0 0 0,1 0 0 0 0,0 0 0 0 0,-1 0 0 0 0,0 0 0 0 0,1 0 0 0 0,-1 0 0 0 0,1 0 0 0 0,-1-1 0 0 0,0 1 0 0 0,0 0 0 0 0,1 0 0 0 0,-1 0 0 0 0,0 0 0 0 0,0 0 0 0 0,0 0 0 0 0,-1-1 0 0 0,1 1 0 0 0,0-1 0 0 0,0-2 0 0 0,-2-27-2440 0 0,1 30 2215 0 0,1 0 0 0 0,0 0 1 0 0,-1 0-1 0 0,1 0 0 0 0,-1 0 0 0 0,1 0 1 0 0,-1 0-1 0 0,0 1 0 0 0,1-1 0 0 0,-1 0 0 0 0,0 0 1 0 0,1 1-1 0 0,-1-1 0 0 0,0 0 0 0 0,0 1 0 0 0,0-1 1 0 0,0 0-1 0 0,1 1 0 0 0,-3-1 0 0 0,-2 0-1903 0 0</inkml:trace>
+</inkml:ink>
+</file>
+
+<file path=ppt/ink/ink26.xml><?xml version="1.0" encoding="utf-8"?>
+<inkml:ink xmlns:inkml="http://www.w3.org/2003/InkML">
+  <inkml:definitions>
+    <inkml:context xml:id="ctx0">
+      <inkml:inkSource xml:id="inkSrc0">
+        <inkml:traceFormat>
+          <inkml:channel name="X" type="integer" min="-2.14748E9" max="2.14748E9" units="cm"/>
+          <inkml:channel name="Y" type="integer" min="-2.14748E9" max="2.14748E9" units="cm"/>
+          <inkml:channel name="F" type="integer" max="32767" units="dev"/>
+          <inkml:channel name="OA" type="integer" max="360" units="deg"/>
+          <inkml:channel name="OE" type="integer" max="90" units="deg"/>
+        </inkml:traceFormat>
+        <inkml:channelProperties>
+          <inkml:channelProperty channel="X" name="resolution" value="1000" units="1/cm"/>
+          <inkml:channelProperty channel="Y" name="resolution" value="1000" units="1/cm"/>
+          <inkml:channelProperty channel="F" name="resolution" value="0" units="1/dev"/>
+          <inkml:channelProperty channel="OA" name="resolution" value="1000" units="1/deg"/>
+          <inkml:channelProperty channel="OE" name="resolution" value="1000" units="1/deg"/>
+        </inkml:channelProperties>
+      </inkml:inkSource>
+      <inkml:timestamp xml:id="ts0" timeString="2021-08-30T16:32:42.566"/>
+    </inkml:context>
+    <inkml:brush xml:id="br0">
+      <inkml:brushProperty name="width" value="0.05" units="cm"/>
+      <inkml:brushProperty name="height" value="0.05" units="cm"/>
+      <inkml:brushProperty name="color" value="#FF0066"/>
+    </inkml:brush>
+  </inkml:definitions>
+  <inkml:trace contextRef="#ctx0" brushRef="#br0">29 97 5064 0 0,'-5'1'82'0'0,"4"0"-41"0"0,0-1-1 0 0,-1 0 1 0 0,1 0 0 0 0,0 1 0 0 0,0-1-1 0 0,-15 15 13511 0 0,19-15-13225 0 0,1-1 1 0 0,-1 0-1 0 0,0 0 1 0 0,1 0 0 0 0,-1 0-1 0 0,0-1 1 0 0,0 1-1 0 0,0-1 1 0 0,4-2-1 0 0,9-5 371 0 0,3-1 146 0 0,26-16 0 0 0,-32 17-810 0 0,0 1-1 0 0,1 0 0 0 0,0 1 1 0 0,0 1-1 0 0,16-5 0 0 0,-15 4-2118 0 0</inkml:trace>
+</inkml:ink>
+</file>
+
+<file path=ppt/ink/ink27.xml><?xml version="1.0" encoding="utf-8"?>
+<inkml:ink xmlns:inkml="http://www.w3.org/2003/InkML">
+  <inkml:definitions>
+    <inkml:context xml:id="ctx0">
+      <inkml:inkSource xml:id="inkSrc0">
+        <inkml:traceFormat>
+          <inkml:channel name="X" type="integer" min="-2.14748E9" max="2.14748E9" units="cm"/>
+          <inkml:channel name="Y" type="integer" min="-2.14748E9" max="2.14748E9" units="cm"/>
+          <inkml:channel name="F" type="integer" max="32767" units="dev"/>
+          <inkml:channel name="OA" type="integer" max="360" units="deg"/>
+          <inkml:channel name="OE" type="integer" max="90" units="deg"/>
+        </inkml:traceFormat>
+        <inkml:channelProperties>
+          <inkml:channelProperty channel="X" name="resolution" value="1000" units="1/cm"/>
+          <inkml:channelProperty channel="Y" name="resolution" value="1000" units="1/cm"/>
+          <inkml:channelProperty channel="F" name="resolution" value="0" units="1/dev"/>
+          <inkml:channelProperty channel="OA" name="resolution" value="1000" units="1/deg"/>
+          <inkml:channelProperty channel="OE" name="resolution" value="1000" units="1/deg"/>
+        </inkml:channelProperties>
+      </inkml:inkSource>
+      <inkml:timestamp xml:id="ts0" timeString="2021-08-30T16:32:42.973"/>
+    </inkml:context>
+    <inkml:brush xml:id="br0">
+      <inkml:brushProperty name="width" value="0.05" units="cm"/>
+      <inkml:brushProperty name="height" value="0.05" units="cm"/>
+      <inkml:brushProperty name="color" value="#FF0066"/>
+    </inkml:brush>
+  </inkml:definitions>
+  <inkml:trace contextRef="#ctx0" brushRef="#br0">225 0 9216 0 0,'-8'45'1378'0'0,"3"-23"942"0"0,-1 32 0 0 0,-33 338 2747 0 0,10-137-4321 0 0,-28 303-74 0 0,43-437-551 0 0,-28 325 1718 0 0,34-312-1102 0 0,-5 104 174 0 0,12-221-836 0 0,-1 11 135 0 0,2 1 0 0 0,1-1 0 0 0,6 37 0 0 0,-6-58-84 0 0,0 0 1 0 0,1-1-1 0 0,0 1 1 0 0,5 10-1 0 0,-6-15-85 0 0,1 1 0 0 0,-1-1-1 0 0,1 0 1 0 0,-1-1 0 0 0,1 1 0 0 0,0 0-1 0 0,-1 0 1 0 0,1-1 0 0 0,0 1 0 0 0,0-1 0 0 0,1 1-1 0 0,-1-1 1 0 0,0 0 0 0 0,0 0 0 0 0,1 0-1 0 0,2 1 1 0 0,98 21 344 0 0,-4 8-2530 0 0,-74-26 273 0 0</inkml:trace>
+</inkml:ink>
+</file>
+
+<file path=ppt/ink/ink3.xml><?xml version="1.0" encoding="utf-8"?>
+<inkml:ink xmlns:inkml="http://www.w3.org/2003/InkML">
+  <inkml:definitions>
+    <inkml:context xml:id="ctx0">
+      <inkml:inkSource xml:id="inkSrc0">
+        <inkml:traceFormat>
+          <inkml:channel name="X" type="integer" min="-2.14748E9" max="2.14748E9" units="cm"/>
+          <inkml:channel name="Y" type="integer" min="-2.14748E9" max="2.14748E9" units="cm"/>
+          <inkml:channel name="F" type="integer" max="32767" units="dev"/>
+          <inkml:channel name="OA" type="integer" max="360" units="deg"/>
+          <inkml:channel name="OE" type="integer" max="90" units="deg"/>
+        </inkml:traceFormat>
+        <inkml:channelProperties>
+          <inkml:channelProperty channel="X" name="resolution" value="1000" units="1/cm"/>
+          <inkml:channelProperty channel="Y" name="resolution" value="1000" units="1/cm"/>
+          <inkml:channelProperty channel="F" name="resolution" value="0" units="1/dev"/>
+          <inkml:channelProperty channel="OA" name="resolution" value="1000" units="1/deg"/>
+          <inkml:channelProperty channel="OE" name="resolution" value="1000" units="1/deg"/>
+        </inkml:channelProperties>
+      </inkml:inkSource>
+      <inkml:timestamp xml:id="ts0" timeString="2021-08-30T16:30:48.368"/>
+    </inkml:context>
+    <inkml:brush xml:id="br0">
+      <inkml:brushProperty name="width" value="0.05" units="cm"/>
+      <inkml:brushProperty name="height" value="0.05" units="cm"/>
+      <inkml:brushProperty name="color" value="#FF0066"/>
+    </inkml:brush>
+  </inkml:definitions>
+  <inkml:trace contextRef="#ctx0" brushRef="#br0">12 73 3680 0 0,'0'0'15499'0'0,"-9"-7"-12369"0"0,8 4-2890 0 0,0 1 1 0 0,1-1 0 0 0,0 0 0 0 0,-1 1 0 0 0,1-1-1 0 0,0 1 1 0 0,0-1 0 0 0,1 0 0 0 0,-1 1 0 0 0,2-6-1 0 0,0-14 2253 0 0,-2 22-2466 0 0,0 0 0 0 0,0 0 0 0 0,0-1 1 0 0,0 1-1 0 0,0 0 0 0 0,0 0 0 0 0,0-1 1 0 0,0 1-1 0 0,0 0 0 0 0,-1-1 0 0 0,1 1 0 0 0,0 0 1 0 0,1 0-1 0 0,-1-1 0 0 0,0 1 0 0 0,0 0 0 0 0,0-1 1 0 0,0 1-1 0 0,0 0 0 0 0,0 0 0 0 0,0-1 1 0 0,0 1-1 0 0,0 0 0 0 0,1 0 0 0 0,-1-1 0 0 0,0 1 1 0 0,0 0-1 0 0,0 0 0 0 0,1-1 0 0 0,-1 1 0 0 0,0 0 1 0 0,0 0-1 0 0,0 0 0 0 0,1 0 0 0 0,-1-1 1 0 0,0 1-1 0 0,0 0 0 0 0,1 0 0 0 0,-1 0 0 0 0,0 0 1 0 0,1 0-1 0 0,-1 0 0 0 0,2 0 1312 0 0,3 3-1587 0 0,0-2 279 0 0,3 2 401 0 0,-6-2-380 0 0,1 0 0 0 0,-1 0 1 0 0,1 0-1 0 0,-1-1 1 0 0,1 1-1 0 0,-1-1 1 0 0,1 0-1 0 0,0 0 0 0 0,3 0 1 0 0,-2 0-44 0 0,-1 0 0 0 0,1 1 0 0 0,0-1 1 0 0,-1 1-1 0 0,1 0 0 0 0,-1 0 0 0 0,6 2 1 0 0,-7-2-5 0 0,1 0 0 0 0,-1 0 1 0 0,1 0-1 0 0,-1-1 1 0 0,1 1-1 0 0,-1-1 1 0 0,4 1-1 0 0,37 4-5 0 0,-27-5 14 0 0,-4-1 28 0 0,1 1 0 0 0,-1 1 0 0 0,24 4-1 0 0,-20-1 0 0 0,41 12 337 0 0,-54-15-349 0 0,0-1-1 0 0,-1 1 0 0 0,1-1 1 0 0,0 0-1 0 0,0 0 1 0 0,4 0-1 0 0,-5 0-35 0 0,0 0 0 0 0,0 0-1 0 0,0 0 1 0 0,0 0-1 0 0,0 0 1 0 0,0 0 0 0 0,0 1-1 0 0,0-1 1 0 0,0 1 0 0 0,0-1-1 0 0,0 1 1 0 0,0 0-1 0 0,2 1 1 0 0,-1 0 7 0 0,1 0 0 0 0,0-1 1 0 0,0 1-1 0 0,0-1 0 0 0,0 0 0 0 0,0 1 0 0 0,0-2 1 0 0,9 2-1 0 0,36 0-132 0 0,-43-2 179 0 0,92 4 244 0 0,-44-6-291 0 0,-27 5-1 0 0,29 2-71 0 0,80-10 57 0 0,-40 2 68 0 0,-33-2-42 0 0,-30 1-11 0 0,-24 3 0 0 0,-6 1 0 0 0,1 0 0 0 0,-1-1 0 0 0,0 1 0 0 0,1-1 0 0 0,-1 1 0 0 0,0-1 0 0 0,0 0 0 0 0,7-3 0 0 0,-5 1 0 0 0,0 1 0 0 0,0 0 0 0 0,0 0 0 0 0,1 1 0 0 0,-1 0 0 0 0,1 0 0 0 0,-1 0 0 0 0,11 0 0 0 0,4 1 0 0 0,23 4 0 0 0,-18-2 0 0 0,41 9 0 0 0,1 0 0 0 0,-52-9 0 0 0,-1 1 0 0 0,1 1 0 0 0,-1 1 0 0 0,0 0 0 0 0,0 0 0 0 0,15 9 0 0 0,25 10 0 0 0,-32-15-21 0 0,0 1-1 0 0,32 21 1 0 0,-41-24 21 0 0,-1 0 0 0 0,2-1 0 0 0,-1 0 0 0 0,1-1 0 0 0,19 4 0 0 0,73 10 0 0 0,-85-16 0 0 0,-4-1 0 0 0,30-1 0 0 0,-27-1 0 0 0,20 2 0 0 0,-12 0 0 0 0,-1-1 0 0 0,1-1 0 0 0,0-2 0 0 0,-1-1 0 0 0,46-10 0 0 0,34-4 37 0 0,-20 4-10 0 0,-7 5-27 0 0,-57 7 0 0 0,0-1 0 0 0,32-7 0 0 0,-32 4 0 0 0,33-2 0 0 0,-40 6 0 0 0,-1 0 0 0 0,1-2 0 0 0,-1 0 0 0 0,0 0 0 0 0,19-8 0 0 0,-10 2 0 0 0,0 2 0 0 0,1 0 0 0 0,-1 2 0 0 0,1 1 0 0 0,30-1 0 0 0,19-4 0 0 0,185-21 0 0 0,-170 29 0 0 0,-50 1 0 0 0,68-7 0 0 0,81-9 0 0 0,5 17 0 0 0,-79 0 0 0 0,151 16 0 0 0,97 0 269 0 0,-347-16-205 0 0,27 4-1 0 0,-24-2 2 0 0,31 1-1 0 0,-48-4-128 0 0,-2 1-470 0 0,-7 11-1608 0 0,3-4 877 0 0</inkml:trace>
+</inkml:ink>
+</file>
+
+<file path=ppt/ink/ink4.xml><?xml version="1.0" encoding="utf-8"?>
+<inkml:ink xmlns:inkml="http://www.w3.org/2003/InkML">
+  <inkml:definitions>
+    <inkml:context xml:id="ctx0">
+      <inkml:inkSource xml:id="inkSrc0">
+        <inkml:traceFormat>
+          <inkml:channel name="X" type="integer" min="-2.14748E9" max="2.14748E9" units="cm"/>
+          <inkml:channel name="Y" type="integer" min="-2.14748E9" max="2.14748E9" units="cm"/>
+          <inkml:channel name="F" type="integer" max="32767" units="dev"/>
+          <inkml:channel name="OA" type="integer" max="360" units="deg"/>
+          <inkml:channel name="OE" type="integer" max="90" units="deg"/>
+        </inkml:traceFormat>
+        <inkml:channelProperties>
+          <inkml:channelProperty channel="X" name="resolution" value="1000" units="1/cm"/>
+          <inkml:channelProperty channel="Y" name="resolution" value="1000" units="1/cm"/>
+          <inkml:channelProperty channel="F" name="resolution" value="0" units="1/dev"/>
+          <inkml:channelProperty channel="OA" name="resolution" value="1000" units="1/deg"/>
+          <inkml:channelProperty channel="OE" name="resolution" value="1000" units="1/deg"/>
+        </inkml:channelProperties>
+      </inkml:inkSource>
+      <inkml:timestamp xml:id="ts0" timeString="2021-08-30T16:31:09.844"/>
+    </inkml:context>
+    <inkml:brush xml:id="br0">
+      <inkml:brushProperty name="width" value="0.05" units="cm"/>
+      <inkml:brushProperty name="height" value="0.05" units="cm"/>
+      <inkml:brushProperty name="color" value="#FF0066"/>
+    </inkml:brush>
+  </inkml:definitions>
+  <inkml:trace contextRef="#ctx0" brushRef="#br0">147 28 3192 0 0,'0'0'143'0'0,"-17"-9"2092"0"0,6 9-769 0 0,0-1 0 0 0,0 0-1 0 0,0 0 1 0 0,-13-4-1 0 0,-24 1 5251 0 0,46 3-6366 0 0,1 1-202 0 0,1 0 0 0 0,-1 0 1 0 0,1 0-1 0 0,-1 0 0 0 0,1 0 1 0 0,-1 0-1 0 0,1 0 0 0 0,-1 0 1 0 0,1 0-1 0 0,0 0 0 0 0,-1 0 1 0 0,1 0-1 0 0,-1-1 0 0 0,1 1 1 0 0,-1 0-1 0 0,1 0 1 0 0,0-1-1 0 0,-1 1 0 0 0,1 0 1 0 0,-1-1-1 0 0,1 1 0 0 0,0 0 1 0 0,-1-1-1 0 0,1 1 0 0 0,-1-1 1 0 0,2 1-101 0 0,-1 0 1 0 0,0 0-1 0 0,0 0 1 0 0,0 0-1 0 0,0 0 1 0 0,0 0-1 0 0,1 0 1 0 0,-1 0-1 0 0,0 0 1 0 0,0 0-1 0 0,0 0 1 0 0,0 0-1 0 0,0 0 1 0 0,0 0-1 0 0,1 0 1 0 0,-1 0-1 0 0,0 0 1 0 0,0 1-1 0 0,0-1 1 0 0,0 0-1 0 0,0 0 1 0 0,0 0-1 0 0,0 0 1 0 0,0 0-1 0 0,1 0 1 0 0,-1 0-1 0 0,0 0 1 0 0,0 1-1 0 0,0-1 1 0 0,0 0-1 0 0,0 0 1 0 0,0 0-1 0 0,0 0 1 0 0,0 0-1 0 0,0 0 1 0 0,0 1-1 0 0,0-1 1 0 0,0 0-1 0 0,0 0 1 0 0,0 0-1 0 0,0 0 1 0 0,0 0-1 0 0,0 0 1 0 0,0 1-1 0 0,0-1 1 0 0,0 0-1 0 0,0 0 1 0 0,0 0 0 0 0,0 0-1 0 0,0 0 1 0 0,0 0-1 0 0,0 1 1 0 0,0-1-1 0 0,-1 0 1 0 0,1 0-1 0 0,0 0 1 0 0,0 0-1 0 0,0 0 1 0 0,0 0-1 0 0,0 0 1 0 0,0 0-1 0 0,0 1 1 0 0,0-1-1 0 0,-1 0 1 0 0,1 0-1 0 0,0 0 1 0 0,0 0-1 0 0,11 7 220 0 0,-10-5-226 0 0,1 0-1 0 0,0-1 1 0 0,0 0-1 0 0,0 1 1 0 0,1-1-1 0 0,-1 0 1 0 0,3 1-1 0 0,36 11 327 0 0,1-2 0 0 0,0-2 0 0 0,1-1 0 0 0,0-3 0 0 0,44 1 0 0 0,33-8 12 0 0,129-17 0 0 0,-203 15-173 0 0,1 3 0 0 0,-1 1 0 0 0,62 9 0 0 0,-68-2-11 0 0,-1 1 0 0 0,71 24 0 0 0,-62-20 28 0 0,-39-9-173 0 0,-1-1 0 0 0,1 0 0 0 0,10 1-1 0 0,14 3 175 0 0,-12-4-210 0 0,-14-3-16 0 0,0 1 0 0 0,-1-2 1 0 0,11-2-1 0 0,-16 4 3 0 0,-1 0-3 0 0,1 0 0 0 0,-1 0 0 0 0,1 0 0 0 0,-1 0 0 0 0,0 0 0 0 0,1 0 0 0 0,-1 0 0 0 0,1 0 0 0 0,-1 0 0 0 0,1-1 0 0 0,-1 1 0 0 0,0 0 0 0 0,1 0 0 0 0,-1 0 0 0 0,0-1 0 0 0,1 1 0 0 0,-1 0 0 0 0,0 0 0 0 0,1-1 1 0 0,-1 1-1 0 0,0 0 0 0 0,1-1 0 0 0,-1 0 0 0 0,1 1-105 0 0</inkml:trace>
+</inkml:ink>
+</file>
+
+<file path=ppt/ink/ink5.xml><?xml version="1.0" encoding="utf-8"?>
+<inkml:ink xmlns:inkml="http://www.w3.org/2003/InkML">
+  <inkml:definitions>
+    <inkml:context xml:id="ctx0">
+      <inkml:inkSource xml:id="inkSrc0">
+        <inkml:traceFormat>
+          <inkml:channel name="X" type="integer" min="-2.14748E9" max="2.14748E9" units="cm"/>
+          <inkml:channel name="Y" type="integer" min="-2.14748E9" max="2.14748E9" units="cm"/>
+          <inkml:channel name="F" type="integer" max="32767" units="dev"/>
+          <inkml:channel name="OA" type="integer" max="360" units="deg"/>
+          <inkml:channel name="OE" type="integer" max="90" units="deg"/>
+        </inkml:traceFormat>
+        <inkml:channelProperties>
+          <inkml:channelProperty channel="X" name="resolution" value="1000" units="1/cm"/>
+          <inkml:channelProperty channel="Y" name="resolution" value="1000" units="1/cm"/>
+          <inkml:channelProperty channel="F" name="resolution" value="0" units="1/dev"/>
+          <inkml:channelProperty channel="OA" name="resolution" value="1000" units="1/deg"/>
+          <inkml:channelProperty channel="OE" name="resolution" value="1000" units="1/deg"/>
+        </inkml:channelProperties>
+      </inkml:inkSource>
+      <inkml:timestamp xml:id="ts0" timeString="2021-08-30T16:30:51.149"/>
+    </inkml:context>
+    <inkml:brush xml:id="br0">
+      <inkml:brushProperty name="width" value="0.05" units="cm"/>
+      <inkml:brushProperty name="height" value="0.05" units="cm"/>
+      <inkml:brushProperty name="color" value="#FF0066"/>
+    </inkml:brush>
+  </inkml:definitions>
+  <inkml:trace contextRef="#ctx0" brushRef="#br0">81 377 5064 0 0,'-6'1'257'0'0,"-1"1"0"0"0,1 1 0 0 0,-1-1-1 0 0,1 1 1 0 0,-11 6 0 0 0,-1 1 7620 0 0,17-10-7682 0 0,1 1 1 0 0,0-1-1 0 0,-1 0 0 0 0,1 1 0 0 0,-1-1 1 0 0,1 0-1 0 0,-1 0 0 0 0,1 0 0 0 0,-1 1 0 0 0,1-1 1 0 0,-1 0-1 0 0,0 0 0 0 0,1 0 0 0 0,-1 0 1 0 0,1 0-1 0 0,-1 0 0 0 0,1 0 0 0 0,-1 0 0 0 0,1 0 1 0 0,-1 0-1 0 0,1 0 0 0 0,-2-1 0 0 0,2 1-82 0 0,0 0 0 0 0,0-1-1 0 0,0 1 1 0 0,0-1 0 0 0,0 1-1 0 0,0 0 1 0 0,0-1-1 0 0,0 1 1 0 0,0-1 0 0 0,0 1-1 0 0,0-1 1 0 0,0 1 0 0 0,0 0-1 0 0,0-1 1 0 0,0 1-1 0 0,0-1 1 0 0,0 1 0 0 0,1 0-1 0 0,-1-1 1 0 0,0 1 0 0 0,1-1-1 0 0,1-3 149 0 0,0 1 0 0 0,0-1 0 0 0,0 1 0 0 0,7-7 0 0 0,-3 5-156 0 0,1 0-1 0 0,0 0 1 0 0,0 0-1 0 0,1 1 1 0 0,0 0-1 0 0,15-6 1 0 0,54-11-36 0 0,-59 16 29 0 0,293-47 95 0 0,-131 43-193 0 0,-140 8 0 0 0,430-24 0 0 0,-293 6 0 0 0,-51 5 0 0 0,-59 8 9 0 0,374-42 118 0 0,-345 41-196 0 0,-71 7 87 0 0,0-1-1 0 0,-1-1 0 0 0,1-1 0 0 0,37-11 1 0 0,-15 1 163 0 0,58-9 1 0 0,-30 8 27 0 0,-68 12-165 0 0,0 1 0 0 0,0 0 0 0 0,8 0 0 0 0,-13 1 150 0 0,-3-1-167 0 0,0 0 0 0 0,0 0 0 0 0,0 0 0 0 0,0-1 0 0 0,0 1 0 0 0,0 1 1 0 0,0-1-1 0 0,0 0 0 0 0,0 0 0 0 0,0 0 0 0 0,-1 0 0 0 0,1 1 0 0 0,0-1 0 0 0,-1 1 0 0 0,1-1 0 0 0,0 1 0 0 0,-2-1 0 0 0,1 1 6 0 0,-21-7 90 0 0,1 2-1 0 0,-1 0 1 0 0,-1 2-1 0 0,-39-2 1 0 0,-11-1-304 0 0,10 0 549 0 0,1 2 0 0 0,-70 5 0 0 0,129 0-342 0 0,-5-1 72 0 0,0 0 0 0 0,0 1 0 0 0,0 0 0 0 0,0 1 0 0 0,0 0 0 0 0,-8 3 0 0 0,17-5-97 0 0,0 0 1 0 0,-1 0-1 0 0,1 0 0 0 0,0 0 1 0 0,0 0-1 0 0,0 1 0 0 0,0-1 1 0 0,0 0-1 0 0,0 0 0 0 0,0 0 1 0 0,0 0-1 0 0,0 0 0 0 0,0 0 1 0 0,0 0-1 0 0,-1 0 0 0 0,1 0 1 0 0,0 0-1 0 0,0 0 0 0 0,0 0 0 0 0,0 1 1 0 0,0-1-1 0 0,0 0 0 0 0,0 0 1 0 0,0 0-1 0 0,0 0 0 0 0,0 0 1 0 0,0 0-1 0 0,0 0 0 0 0,0 0 1 0 0,0 1-1 0 0,0-1 0 0 0,0 0 1 0 0,0 0-1 0 0,0 0 0 0 0,0 0 0 0 0,0 0 1 0 0,0 0-1 0 0,0 0 0 0 0,0 0 1 0 0,0 0-1 0 0,0 1 0 0 0,0-1 1 0 0,0 0-1 0 0,0 0 0 0 0,0 0 1 0 0,1 0-1 0 0,-1 0 0 0 0,0 0 1 0 0,0 0-1 0 0,0 0 0 0 0,7 5 84 0 0,9 1 19 0 0,15-2-104 0 0,40-2 0 0 0,9 2 0 0 0,-54-3 53 0 0,-22-2-34 0 0,0 1-1 0 0,-1 0 0 0 0,1 0 0 0 0,0 0 1 0 0,0 0-1 0 0,0 1 0 0 0,0 0 0 0 0,0 0 0 0 0,-1 0 1 0 0,1 0-1 0 0,0 0 0 0 0,-1 1 0 0 0,1 0 1 0 0,5 3-1 0 0,-8-4-6 0 0,0 0 1 0 0,0 0-1 0 0,-1 0 1 0 0,1 1-1 0 0,0-1 1 0 0,-1 0-1 0 0,1 0 1 0 0,-1 1-1 0 0,1-1 1 0 0,-1 0-1 0 0,1 1 1 0 0,-1-1-1 0 0,0 1 1 0 0,0-1-1 0 0,0 0 1 0 0,0 1-1 0 0,0-1 1 0 0,0 1-1 0 0,0-1 1 0 0,0 0-1 0 0,-1 1 1 0 0,1 0-1 0 0,-13 35 159 0 0,8-25-120 0 0,-8 22-90 0 0,-2-1 1 0 0,0-1-1 0 0,-3 0 0 0 0,0-1 1 0 0,-35 42-1 0 0,46-64-142 0 0,3-4-289 0 0,0 0 0 0 0,0 0 0 0 0,1 0 0 0 0,-1 0 1 0 0,1 1-1 0 0,0-1 0 0 0,-4 12 0 0 0,6-6-1314 0 0</inkml:trace>
+</inkml:ink>
+</file>
+
+<file path=ppt/ink/ink6.xml><?xml version="1.0" encoding="utf-8"?>
+<inkml:ink xmlns:inkml="http://www.w3.org/2003/InkML">
+  <inkml:definitions>
+    <inkml:context xml:id="ctx0">
+      <inkml:inkSource xml:id="inkSrc0">
+        <inkml:traceFormat>
+          <inkml:channel name="X" type="integer" min="-2.14748E9" max="2.14748E9" units="cm"/>
+          <inkml:channel name="Y" type="integer" min="-2.14748E9" max="2.14748E9" units="cm"/>
+          <inkml:channel name="F" type="integer" max="32767" units="dev"/>
+          <inkml:channel name="OA" type="integer" max="360" units="deg"/>
+          <inkml:channel name="OE" type="integer" max="90" units="deg"/>
+        </inkml:traceFormat>
+        <inkml:channelProperties>
+          <inkml:channelProperty channel="X" name="resolution" value="1000" units="1/cm"/>
+          <inkml:channelProperty channel="Y" name="resolution" value="1000" units="1/cm"/>
+          <inkml:channelProperty channel="F" name="resolution" value="0" units="1/dev"/>
+          <inkml:channelProperty channel="OA" name="resolution" value="1000" units="1/deg"/>
+          <inkml:channelProperty channel="OE" name="resolution" value="1000" units="1/deg"/>
+        </inkml:channelProperties>
+      </inkml:inkSource>
+      <inkml:timestamp xml:id="ts0" timeString="2021-08-30T16:30:53.056"/>
+    </inkml:context>
+    <inkml:brush xml:id="br0">
+      <inkml:brushProperty name="width" value="0.05" units="cm"/>
+      <inkml:brushProperty name="height" value="0.05" units="cm"/>
+      <inkml:brushProperty name="color" value="#FF0066"/>
+    </inkml:brush>
+  </inkml:definitions>
+  <inkml:trace contextRef="#ctx0" brushRef="#br0">43 62 4608 0 0,'0'0'208'0'0,"-1"0"-9"0"0,-6-14-183 0 0,1-3 6651 0 0,-2-3 386 0 0,7 20-6845 0 0,1-1-1 0 0,0 1 0 0 0,0-1 1 0 0,-1 1-1 0 0,1-1 0 0 0,0 1 1 0 0,0-1-1 0 0,0 1 0 0 0,0-1 1 0 0,0 1-1 0 0,0-1 0 0 0,0 0 1 0 0,0 1-1 0 0,0-1 0 0 0,0 1 1 0 0,0-1-1 0 0,0 0 0 0 0,-1 11 2893 0 0,-3 8-3184 0 0,2 1 0 0 0,-2 31 0 0 0,3-25 32 0 0,0 38 32 0 0,-1 15 24 0 0,-1-46 68 0 0,2 1-1 0 0,2 0 0 0 0,8 61 1 0 0,-8-88-63 0 0,0-1 0 0 0,1 1 0 0 0,-1 0 0 0 0,1 0 0 0 0,1-1 0 0 0,4 8 0 0 0,-7-11 0 0 0,1-1-1 0 0,0 1 1 0 0,0-1-1 0 0,0 0 0 0 0,0 0 1 0 0,0 1-1 0 0,0-1 0 0 0,0 0 1 0 0,0 0-1 0 0,0 0 0 0 0,1 0 1 0 0,-1 0-1 0 0,0-1 0 0 0,1 1 1 0 0,-1 0-1 0 0,1 0 1 0 0,-1-1-1 0 0,1 1 0 0 0,-1-1 1 0 0,1 0-1 0 0,-1 1 0 0 0,1-1 1 0 0,-1 0-1 0 0,1 0 0 0 0,0 0 1 0 0,-1 0-1 0 0,1 0 0 0 0,-1 0 1 0 0,3-1-1 0 0,90-18 712 0 0,-3-15 332 0 0,-20 8 464 0 0,-70 25-1276 0 0,0 10-133 0 0,-1-9-103 0 0,0 1 1 0 0,0 0 0 0 0,0 0 0 0 0,0-1 0 0 0,0 1 0 0 0,0 0 0 0 0,0 0 0 0 0,0 0 0 0 0,0-1 0 0 0,0 1 0 0 0,0 0 0 0 0,0 0 0 0 0,-1-1 0 0 0,1 1 0 0 0,0 0 0 0 0,-1-1 0 0 0,1 1 0 0 0,0 0 0 0 0,-1-1-1 0 0,1 1 1 0 0,-1 0 0 0 0,1-1 0 0 0,-1 1 0 0 0,1-1 0 0 0,-1 1 0 0 0,-1 0 0 0 0,-15 13 109 0 0,-1-1 1 0 0,-1 0-1 0 0,0-2 0 0 0,-1 0 0 0 0,-29 11 0 0 0,33-15-135 0 0,0 0-94 0 0,-1 0 0 0 0,0-1-1 0 0,0-1 1 0 0,-27 5 0 0 0,39-8 646 0 0,2-1-2640 0 0</inkml:trace>
+</inkml:ink>
+</file>
+
+<file path=ppt/ink/ink7.xml><?xml version="1.0" encoding="utf-8"?>
+<inkml:ink xmlns:inkml="http://www.w3.org/2003/InkML">
+  <inkml:definitions>
+    <inkml:context xml:id="ctx0">
+      <inkml:inkSource xml:id="inkSrc0">
+        <inkml:traceFormat>
+          <inkml:channel name="X" type="integer" min="-2.14748E9" max="2.14748E9" units="cm"/>
+          <inkml:channel name="Y" type="integer" min="-2.14748E9" max="2.14748E9" units="cm"/>
+          <inkml:channel name="F" type="integer" max="32767" units="dev"/>
+          <inkml:channel name="OA" type="integer" max="360" units="deg"/>
+          <inkml:channel name="OE" type="integer" max="90" units="deg"/>
+        </inkml:traceFormat>
+        <inkml:channelProperties>
+          <inkml:channelProperty channel="X" name="resolution" value="1000" units="1/cm"/>
+          <inkml:channelProperty channel="Y" name="resolution" value="1000" units="1/cm"/>
+          <inkml:channelProperty channel="F" name="resolution" value="0" units="1/dev"/>
+          <inkml:channelProperty channel="OA" name="resolution" value="1000" units="1/deg"/>
+          <inkml:channelProperty channel="OE" name="resolution" value="1000" units="1/deg"/>
+        </inkml:channelProperties>
+      </inkml:inkSource>
+      <inkml:timestamp xml:id="ts0" timeString="2021-08-30T16:30:53.472"/>
+    </inkml:context>
+    <inkml:brush xml:id="br0">
+      <inkml:brushProperty name="width" value="0.05" units="cm"/>
+      <inkml:brushProperty name="height" value="0.05" units="cm"/>
+      <inkml:brushProperty name="color" value="#FF0066"/>
+    </inkml:brush>
+  </inkml:definitions>
+  <inkml:trace contextRef="#ctx0" brushRef="#br0">200 1 13824 0 0,'0'0'674'0'0,"-8"0"40"0"0,-6 0-808 0 0,1 0 918 0 0,1 0 1 0 0,-1 1 0 0 0,-22 4-1 0 0,32-4-679 0 0,-1 0 0 0 0,0 0 0 0 0,1 0 0 0 0,-1 1-1 0 0,1 0 1 0 0,-1 0 0 0 0,1 0 0 0 0,0 0 0 0 0,-1 0-1 0 0,1 1 1 0 0,1-1 0 0 0,-1 1 0 0 0,0 0 0 0 0,1-1-1 0 0,-1 2 1 0 0,-3 5 0 0 0,-1 1-67 0 0,1 1-1 0 0,0-1 1 0 0,1 2 0 0 0,1-1 0 0 0,-1 0-1 0 0,2 1 1 0 0,-1 0 0 0 0,2 0-1 0 0,-1 0 1 0 0,0 22 0 0 0,3-32-46 0 0,0 0 1 0 0,1 0-1 0 0,-1 0 0 0 0,0 0 1 0 0,1 0-1 0 0,-1 0 1 0 0,1 0-1 0 0,0-1 1 0 0,0 1-1 0 0,-1 0 1 0 0,1 0-1 0 0,0-1 0 0 0,1 1 1 0 0,-1 0-1 0 0,0-1 1 0 0,0 1-1 0 0,1-1 1 0 0,-1 0-1 0 0,1 1 1 0 0,-1-1-1 0 0,1 0 0 0 0,-1 0 1 0 0,3 1-1 0 0,-2-2 10 0 0,0 0 0 0 0,0 0 0 0 0,0-1 0 0 0,0 1 0 0 0,-1-1 0 0 0,1 1-1 0 0,0-1 1 0 0,0 0 0 0 0,1 0 0 0 0,2-2 27 0 0,-1 0 1 0 0,0 0-1 0 0,0 0 1 0 0,0 0-1 0 0,-1 0 1 0 0,1-1-1 0 0,5-7 1 0 0,19-31 11 0 0,2 2 1229 0 0,-17 23-853 0 0,-10 14-365 0 0,0 0 0 0 0,1 0 1 0 0,-1 0-1 0 0,1 1 0 0 0,5-4 0 0 0,-8 5 252 0 0,16 22 552 0 0,-11 2-812 0 0,-5-19-68 0 0,0-1-1 0 0,0 1 1 0 0,0 0 0 0 0,0-1 0 0 0,0 1 0 0 0,1-1-1 0 0,-1 0 1 0 0,1 1 0 0 0,0-1 0 0 0,0 0-1 0 0,0 0 1 0 0,0 0 0 0 0,1 0 0 0 0,-1-1 0 0 0,1 1-1 0 0,4 3 1 0 0,-4-4-129 0 0,0 0 0 0 0,0-1-1 0 0,0 1 1 0 0,0-1 0 0 0,1 1-1 0 0,-1-1 1 0 0,0 0 0 0 0,1 0-1 0 0,-1-1 1 0 0,1 1 0 0 0,5 0-1 0 0,-4-2-1534 0 0,1 1 0 0 0,-1-1 0 0 0,0 0 0 0 0,8-2 0 0 0,4-2-6063 0 0</inkml:trace>
+</inkml:ink>
+</file>
+
+<file path=ppt/ink/ink8.xml><?xml version="1.0" encoding="utf-8"?>
+<inkml:ink xmlns:inkml="http://www.w3.org/2003/InkML">
+  <inkml:definitions>
+    <inkml:context xml:id="ctx0">
+      <inkml:inkSource xml:id="inkSrc0">
+        <inkml:traceFormat>
+          <inkml:channel name="X" type="integer" min="-2.14748E9" max="2.14748E9" units="cm"/>
+          <inkml:channel name="Y" type="integer" min="-2.14748E9" max="2.14748E9" units="cm"/>
+          <inkml:channel name="F" type="integer" max="32767" units="dev"/>
+          <inkml:channel name="OA" type="integer" max="360" units="deg"/>
+          <inkml:channel name="OE" type="integer" max="90" units="deg"/>
+        </inkml:traceFormat>
+        <inkml:channelProperties>
+          <inkml:channelProperty channel="X" name="resolution" value="1000" units="1/cm"/>
+          <inkml:channelProperty channel="Y" name="resolution" value="1000" units="1/cm"/>
+          <inkml:channelProperty channel="F" name="resolution" value="0" units="1/dev"/>
+          <inkml:channelProperty channel="OA" name="resolution" value="1000" units="1/deg"/>
+          <inkml:channelProperty channel="OE" name="resolution" value="1000" units="1/deg"/>
+        </inkml:channelProperties>
+      </inkml:inkSource>
+      <inkml:timestamp xml:id="ts0" timeString="2021-08-30T16:30:53.969"/>
+    </inkml:context>
+    <inkml:brush xml:id="br0">
+      <inkml:brushProperty name="width" value="0.05" units="cm"/>
+      <inkml:brushProperty name="height" value="0.05" units="cm"/>
+      <inkml:brushProperty name="color" value="#FF0066"/>
+    </inkml:brush>
+  </inkml:definitions>
+  <inkml:trace contextRef="#ctx0" brushRef="#br0">83 0 14912 0 0,'-18'0'1623'0'0,"15"0"-1179"0"0,-1 1-1 0 0,1 0 1 0 0,-1-1-1 0 0,1 1 0 0 0,0 0 1 0 0,-1 0-1 0 0,1 1 0 0 0,0-1 1 0 0,0 1-1 0 0,0 0 0 0 0,0 0 1 0 0,0 0-1 0 0,0 0 0 0 0,1 0 1 0 0,-1 0-1 0 0,1 1 0 0 0,-1-1 1 0 0,1 1-1 0 0,0 0 1 0 0,-3 4-1 0 0,5-6-359 0 0,0 0 0 0 0,0 0 1 0 0,0 0-1 0 0,-1 0 0 0 0,1 0 0 0 0,0 0 1 0 0,0 0-1 0 0,0 0 0 0 0,1 0 0 0 0,-1 1 0 0 0,0-1 1 0 0,0 0-1 0 0,1 0 0 0 0,-1 0 0 0 0,0 0 1 0 0,2 1-1 0 0,6 15 368 0 0,-4-13-339 0 0,-1 0 0 0 0,1 0 1 0 0,7 7-1 0 0,-7-8-59 0 0,-1 0 0 0 0,0 0-1 0 0,1 0 1 0 0,-1 0 0 0 0,-1 1-1 0 0,5 6 1 0 0,2 5 81 0 0,-7-13-122 0 0,-1 0 1 0 0,1 0-1 0 0,-1 0 0 0 0,0 0 0 0 0,0 0 1 0 0,0 0-1 0 0,0 0 0 0 0,0 1 0 0 0,0-1 1 0 0,-1 0-1 0 0,1 1 0 0 0,-1-1 0 0 0,0 0 0 0 0,1 1 1 0 0,-1-1-1 0 0,0 3 0 0 0,-1-2 4 0 0,-7 38 134 0 0,7-37-126 0 0,0-1-1 0 0,0 0 0 0 0,0 1 0 0 0,-1-1 0 0 0,1 0 0 0 0,-1 0 0 0 0,0 0 0 0 0,0 0 0 0 0,-3 4 0 0 0,4-7 87 0 0,-11 0-1316 0 0,12 0 1051 0 0,0-1 1 0 0,-1 0-1 0 0,1 0 0 0 0,0 0 1 0 0,-1 0-1 0 0,1 1 0 0 0,0-1 1 0 0,0 0-1 0 0,0 0 1 0 0,0 0-1 0 0,0 0 0 0 0,0 0 1 0 0,0 0-1 0 0,0 0 1 0 0,0 1-1 0 0,0-1 0 0 0,0 0 1 0 0,0 0-1 0 0,1 0 0 0 0,-1 0 1 0 0,1-1-1 0 0,8-18-2042 0 0,-1 9 1210 0 0,0 1 0 0 0,0 0 1 0 0,14-11-1 0 0,-18 18 797 0 0,1-1 0 0 0,0 1 1 0 0,0 0-1 0 0,0 0 0 0 0,0 0 0 0 0,0 0 1 0 0,1 1-1 0 0,-1 0 0 0 0,11-2 0 0 0,99-27 1651 0 0,-97 26-251 0 0,21-11 0 0 0,-26 10-547 0 0,-8 4-335 0 0,0 0 1 0 0,-1-1-1 0 0,1 1 0 0 0,-1-1 0 0 0,0 0 0 0 0,6-5 0 0 0,-9 7-284 0 0,-1 1-1 0 0,1-1 0 0 0,0 0 0 0 0,-1 1 0 0 0,1-1 0 0 0,-1 1 1 0 0,1-1-1 0 0,-1 0 0 0 0,1 1 0 0 0,-1-1 0 0 0,1 0 0 0 0,-1 0 0 0 0,0 0 1 0 0,0 1-1 0 0,1-1 0 0 0,-1 0 0 0 0,0 0 0 0 0,0 0 0 0 0,0 1 1 0 0,1-1-1 0 0,-1 0 0 0 0,0 0 0 0 0,0 0 0 0 0,-1 0 0 0 0,1 1 1 0 0,0-1-1 0 0,0 0 0 0 0,0 0 0 0 0,0 0 0 0 0,-1 0 0 0 0,1 1 1 0 0,0-1-1 0 0,-1 0 0 0 0,1 0 0 0 0,-1 1 0 0 0,1-1 0 0 0,-1 0 1 0 0,1 1-1 0 0,-1-1 0 0 0,1 0 0 0 0,-1 1 0 0 0,0-1 0 0 0,1 1 1 0 0,-1-1-1 0 0,0 1 0 0 0,1-1 0 0 0,-2 1 0 0 0,0-1-3 0 0,0 0-1 0 0,0 0 1 0 0,0 1-1 0 0,1-1 1 0 0,-1 1 0 0 0,0 0-1 0 0,0-1 1 0 0,0 1-1 0 0,0 0 1 0 0,0 0-1 0 0,0 0 1 0 0,0 1-1 0 0,0-1 1 0 0,0 0 0 0 0,0 1-1 0 0,-3 0 1 0 0,-29 13 363 0 0,24-7-270 0 0,-1 1 0 0 0,1-1 0 0 0,0 2 1 0 0,-10 11-1 0 0,12-13-59 0 0,1 1 13 0 0,1-1-1 0 0,0 1 1 0 0,0 0-1 0 0,-6 13 0 0 0,11-20-84 0 0,0 0-1 0 0,1 0 0 0 0,-1 0 1 0 0,1 0-1 0 0,-1 1 0 0 0,1-1 1 0 0,-1 0-1 0 0,1 0 0 0 0,0 0 0 0 0,-1 1 1 0 0,1-1-1 0 0,0 0 0 0 0,0 0 1 0 0,0 1-1 0 0,0-1 0 0 0,0 0 0 0 0,0 0 1 0 0,1 1-1 0 0,-1-1 0 0 0,0 0 1 0 0,1 0-1 0 0,-1 0 0 0 0,0 1 1 0 0,1-1-1 0 0,0 0 0 0 0,-1 0 0 0 0,1 0 1 0 0,0 0-1 0 0,-1 0 0 0 0,1 0 1 0 0,0 0-1 0 0,0 0 0 0 0,0 0 1 0 0,0-1-1 0 0,0 1 0 0 0,0 0 0 0 0,0 0 1 0 0,0-1-1 0 0,0 1 0 0 0,0-1 1 0 0,0 1-1 0 0,0-1 0 0 0,2 1 0 0 0,3 1-152 0 0,-1 0-1 0 0,1-1 0 0 0,0 0 0 0 0,0 0 1 0 0,0-1-1 0 0,0 1 0 0 0,10-2 0 0 0,0 0-946 0 0,0-1 0 0 0,16-5-1 0 0,-7 0-958 0 0</inkml:trace>
+</inkml:ink>
+</file>
+
+<file path=ppt/ink/ink9.xml><?xml version="1.0" encoding="utf-8"?>
+<inkml:ink xmlns:inkml="http://www.w3.org/2003/InkML">
+  <inkml:definitions>
+    <inkml:context xml:id="ctx0">
+      <inkml:inkSource xml:id="inkSrc0">
+        <inkml:traceFormat>
+          <inkml:channel name="X" type="integer" min="-2.14748E9" max="2.14748E9" units="cm"/>
+          <inkml:channel name="Y" type="integer" min="-2.14748E9" max="2.14748E9" units="cm"/>
+          <inkml:channel name="F" type="integer" max="32767" units="dev"/>
+          <inkml:channel name="OA" type="integer" max="360" units="deg"/>
+          <inkml:channel name="OE" type="integer" max="90" units="deg"/>
+        </inkml:traceFormat>
+        <inkml:channelProperties>
+          <inkml:channelProperty channel="X" name="resolution" value="1000" units="1/cm"/>
+          <inkml:channelProperty channel="Y" name="resolution" value="1000" units="1/cm"/>
+          <inkml:channelProperty channel="F" name="resolution" value="0" units="1/dev"/>
+          <inkml:channelProperty channel="OA" name="resolution" value="1000" units="1/deg"/>
+          <inkml:channelProperty channel="OE" name="resolution" value="1000" units="1/deg"/>
+        </inkml:channelProperties>
+      </inkml:inkSource>
+      <inkml:timestamp xml:id="ts0" timeString="2021-08-30T16:30:54.362"/>
+    </inkml:context>
+    <inkml:brush xml:id="br0">
+      <inkml:brushProperty name="width" value="0.05" units="cm"/>
+      <inkml:brushProperty name="height" value="0.05" units="cm"/>
+      <inkml:brushProperty name="color" value="#FF0066"/>
+    </inkml:brush>
+  </inkml:definitions>
+  <inkml:trace contextRef="#ctx0" brushRef="#br0">109 299 13824 0 0,'-3'0'144'0'0,"-1"0"0"0"0,0 1 0 0 0,1 0 1 0 0,-1 0-1 0 0,1 0 0 0 0,0 0 1 0 0,-1 1-1 0 0,1-1 0 0 0,0 1 0 0 0,0 0 1 0 0,0 0-1 0 0,0 0 0 0 0,0 0 0 0 0,0 1 1 0 0,0-1-1 0 0,1 1 0 0 0,-1 0 1 0 0,-2 4-1 0 0,-2 2 792 0 0,1 0 1 0 0,0 1-1 0 0,1-1 1 0 0,-8 20-1 0 0,11-23-590 0 0,0 0 1 0 0,1 0-1 0 0,0-1 0 0 0,-1 1 0 0 0,1 7 0 0 0,1-10-308 0 0,0 0 0 0 0,0 0 0 0 0,0 0 1 0 0,1-1-1 0 0,-1 1 0 0 0,1 0 0 0 0,-1 0 1 0 0,1 0-1 0 0,0 0 0 0 0,0-1 0 0 0,0 1 0 0 0,3 3 1 0 0,-3-5 2 0 0,0 0-1 0 0,0 0 1 0 0,0 0 0 0 0,0 0 0 0 0,0 0 0 0 0,0 0 0 0 0,0-1 0 0 0,0 1 0 0 0,1-1 0 0 0,-1 1 0 0 0,0-1-1 0 0,0 1 1 0 0,1-1 0 0 0,-1 0 0 0 0,0 1 0 0 0,1-1 0 0 0,-1 0 0 0 0,0 0 0 0 0,1 0 0 0 0,-1 0 0 0 0,0 0 0 0 0,1 0-1 0 0,-1 0 1 0 0,1-1 0 0 0,-1 1 0 0 0,0-1 0 0 0,0 1 0 0 0,1-1 0 0 0,1 0 0 0 0,4-2 33 0 0,0 0-1 0 0,0-1 1 0 0,11-7 0 0 0,-12 6-58 0 0,1-1 0 0 0,-1 0 0 0 0,0 1 0 0 0,-1-2 0 0 0,1 1 0 0 0,-1-1 0 0 0,-1 0 0 0 0,6-9 0 0 0,3-10 60 0 0,10-28-1 0 0,-7 16-50 0 0,-4 9 209 0 0,-2 0 0 0 0,-1-1-1 0 0,-1 0 1 0 0,-1-1 0 0 0,-2 1-1 0 0,-1-1 1 0 0,0-34-1 0 0,-6 55 386 0 0,-1 13 24 0 0,-4 17-223 0 0,-2 22-318 0 0,-6 68 0 0 0,7 45-1439 0 0,7-122 347 0 0,-1 5-1734 0 0,4-1-6211 0 0</inkml:trace>
+</inkml:ink>
 </file>
 
 <file path=ppt/notesMasters/notesMaster1.xml><?xml version="1.0" encoding="utf-8"?>
@@ -841,7 +1706,7 @@
           <a:p>
             <a:fld id="{3A2BF66F-FEB0-48C1-A8B9-A73F54BB1A08}" type="datetimeFigureOut">
               <a:rPr lang="en-US" smtClean="0"/>
-              <a:t>8/29/2021</a:t>
+              <a:t>8/30/2021</a:t>
             </a:fld>
             <a:endParaRPr lang="en-US" dirty="0"/>
           </a:p>
@@ -1049,7 +1914,7 @@
           <a:p>
             <a:fld id="{3A2BF66F-FEB0-48C1-A8B9-A73F54BB1A08}" type="datetimeFigureOut">
               <a:rPr lang="en-US" smtClean="0"/>
-              <a:t>8/29/2021</a:t>
+              <a:t>8/30/2021</a:t>
             </a:fld>
             <a:endParaRPr lang="en-US" dirty="0"/>
           </a:p>
@@ -1267,7 +2132,7 @@
           <a:p>
             <a:fld id="{3A2BF66F-FEB0-48C1-A8B9-A73F54BB1A08}" type="datetimeFigureOut">
               <a:rPr lang="en-US" smtClean="0"/>
-              <a:t>8/29/2021</a:t>
+              <a:t>8/30/2021</a:t>
             </a:fld>
             <a:endParaRPr lang="en-US" dirty="0"/>
           </a:p>
@@ -1475,7 +2340,7 @@
           <a:p>
             <a:fld id="{3A2BF66F-FEB0-48C1-A8B9-A73F54BB1A08}" type="datetimeFigureOut">
               <a:rPr lang="en-US" smtClean="0"/>
-              <a:t>8/29/2021</a:t>
+              <a:t>8/30/2021</a:t>
             </a:fld>
             <a:endParaRPr lang="en-US" dirty="0"/>
           </a:p>
@@ -1760,7 +2625,7 @@
           <a:p>
             <a:fld id="{3A2BF66F-FEB0-48C1-A8B9-A73F54BB1A08}" type="datetimeFigureOut">
               <a:rPr lang="en-US" smtClean="0"/>
-              <a:t>8/29/2021</a:t>
+              <a:t>8/30/2021</a:t>
             </a:fld>
             <a:endParaRPr lang="en-US" dirty="0"/>
           </a:p>
@@ -2035,7 +2900,7 @@
           <a:p>
             <a:fld id="{3A2BF66F-FEB0-48C1-A8B9-A73F54BB1A08}" type="datetimeFigureOut">
               <a:rPr lang="en-US" smtClean="0"/>
-              <a:t>8/29/2021</a:t>
+              <a:t>8/30/2021</a:t>
             </a:fld>
             <a:endParaRPr lang="en-US" dirty="0"/>
           </a:p>
@@ -2457,7 +3322,7 @@
           <a:p>
             <a:fld id="{3A2BF66F-FEB0-48C1-A8B9-A73F54BB1A08}" type="datetimeFigureOut">
               <a:rPr lang="en-US" smtClean="0"/>
-              <a:t>8/29/2021</a:t>
+              <a:t>8/30/2021</a:t>
             </a:fld>
             <a:endParaRPr lang="en-US" dirty="0"/>
           </a:p>
@@ -2608,7 +3473,7 @@
           <a:p>
             <a:fld id="{3A2BF66F-FEB0-48C1-A8B9-A73F54BB1A08}" type="datetimeFigureOut">
               <a:rPr lang="en-US" smtClean="0"/>
-              <a:t>8/29/2021</a:t>
+              <a:t>8/30/2021</a:t>
             </a:fld>
             <a:endParaRPr lang="en-US" dirty="0"/>
           </a:p>
@@ -2731,7 +3596,7 @@
           <a:p>
             <a:fld id="{3A2BF66F-FEB0-48C1-A8B9-A73F54BB1A08}" type="datetimeFigureOut">
               <a:rPr lang="en-US" smtClean="0"/>
-              <a:t>8/29/2021</a:t>
+              <a:t>8/30/2021</a:t>
             </a:fld>
             <a:endParaRPr lang="en-US" dirty="0"/>
           </a:p>
@@ -3051,7 +3916,7 @@
           <a:p>
             <a:fld id="{3A2BF66F-FEB0-48C1-A8B9-A73F54BB1A08}" type="datetimeFigureOut">
               <a:rPr lang="en-US" smtClean="0"/>
-              <a:t>8/29/2021</a:t>
+              <a:t>8/30/2021</a:t>
             </a:fld>
             <a:endParaRPr lang="en-US" dirty="0"/>
           </a:p>
@@ -3349,7 +4214,7 @@
           <a:p>
             <a:fld id="{3A2BF66F-FEB0-48C1-A8B9-A73F54BB1A08}" type="datetimeFigureOut">
               <a:rPr lang="en-US" smtClean="0"/>
-              <a:t>8/29/2021</a:t>
+              <a:t>8/30/2021</a:t>
             </a:fld>
             <a:endParaRPr lang="en-US" dirty="0"/>
           </a:p>
@@ -3600,7 +4465,7 @@
           <a:p>
             <a:fld id="{3A2BF66F-FEB0-48C1-A8B9-A73F54BB1A08}" type="datetimeFigureOut">
               <a:rPr lang="en-US" smtClean="0"/>
-              <a:t>8/29/2021</a:t>
+              <a:t>8/30/2021</a:t>
             </a:fld>
             <a:endParaRPr lang="en-US" dirty="0"/>
           </a:p>
@@ -4445,6 +5310,1467 @@
           </a:p>
         </p:txBody>
       </p:sp>
+      <p:grpSp>
+        <p:nvGrpSpPr>
+          <p:cNvPr id="6" name="Group 5">
+            <a:extLst>
+              <a:ext uri="{FF2B5EF4-FFF2-40B4-BE49-F238E27FC236}">
+                <a16:creationId xmlns:a16="http://schemas.microsoft.com/office/drawing/2014/main" id="{2727C8A4-1EE5-43A4-AB59-2497CED1419A}"/>
+              </a:ext>
+            </a:extLst>
+          </p:cNvPr>
+          <p:cNvGrpSpPr/>
+          <p:nvPr/>
+        </p:nvGrpSpPr>
+        <p:grpSpPr>
+          <a:xfrm>
+            <a:off x="841249" y="1691179"/>
+            <a:ext cx="1891440" cy="76320"/>
+            <a:chOff x="841249" y="1691179"/>
+            <a:chExt cx="1891440" cy="76320"/>
+          </a:xfrm>
+        </p:grpSpPr>
+        <mc:AlternateContent xmlns:mc="http://schemas.openxmlformats.org/markup-compatibility/2006">
+          <mc:Choice xmlns:p14="http://schemas.microsoft.com/office/powerpoint/2010/main" Requires="p14">
+            <p:contentPart p14:bwMode="auto" r:id="rId2">
+              <p14:nvContentPartPr>
+                <p14:cNvPr id="4" name="Ink 3">
+                  <a:extLst>
+                    <a:ext uri="{FF2B5EF4-FFF2-40B4-BE49-F238E27FC236}">
+                      <a16:creationId xmlns:a16="http://schemas.microsoft.com/office/drawing/2014/main" id="{7D8982CE-2948-45BD-AB96-2FED096EAA4C}"/>
+                    </a:ext>
+                  </a:extLst>
+                </p14:cNvPr>
+                <p14:cNvContentPartPr/>
+                <p14:nvPr/>
+              </p14:nvContentPartPr>
+              <p14:xfrm>
+                <a:off x="841249" y="1747339"/>
+                <a:ext cx="427320" cy="20160"/>
+              </p14:xfrm>
+            </p:contentPart>
+          </mc:Choice>
+          <mc:Fallback>
+            <p:pic>
+              <p:nvPicPr>
+                <p:cNvPr id="4" name="Ink 3">
+                  <a:extLst>
+                    <a:ext uri="{FF2B5EF4-FFF2-40B4-BE49-F238E27FC236}">
+                      <a16:creationId xmlns:a16="http://schemas.microsoft.com/office/drawing/2014/main" id="{7D8982CE-2948-45BD-AB96-2FED096EAA4C}"/>
+                    </a:ext>
+                  </a:extLst>
+                </p:cNvPr>
+                <p:cNvPicPr/>
+                <p:nvPr/>
+              </p:nvPicPr>
+              <p:blipFill>
+                <a:blip r:embed="rId3"/>
+                <a:stretch>
+                  <a:fillRect/>
+                </a:stretch>
+              </p:blipFill>
+              <p:spPr>
+                <a:xfrm>
+                  <a:off x="832249" y="1738339"/>
+                  <a:ext cx="444960" cy="37800"/>
+                </a:xfrm>
+                <a:prstGeom prst="rect">
+                  <a:avLst/>
+                </a:prstGeom>
+              </p:spPr>
+            </p:pic>
+          </mc:Fallback>
+        </mc:AlternateContent>
+        <mc:AlternateContent xmlns:mc="http://schemas.openxmlformats.org/markup-compatibility/2006">
+          <mc:Choice xmlns:p14="http://schemas.microsoft.com/office/powerpoint/2010/main" Requires="p14">
+            <p:contentPart p14:bwMode="auto" r:id="rId4">
+              <p14:nvContentPartPr>
+                <p14:cNvPr id="5" name="Ink 4">
+                  <a:extLst>
+                    <a:ext uri="{FF2B5EF4-FFF2-40B4-BE49-F238E27FC236}">
+                      <a16:creationId xmlns:a16="http://schemas.microsoft.com/office/drawing/2014/main" id="{AE784764-8BC8-476C-B318-D7FFC6AEDCB8}"/>
+                    </a:ext>
+                  </a:extLst>
+                </p14:cNvPr>
+                <p14:cNvContentPartPr/>
+                <p14:nvPr/>
+              </p14:nvContentPartPr>
+              <p14:xfrm>
+                <a:off x="1852489" y="1691179"/>
+                <a:ext cx="880200" cy="40320"/>
+              </p14:xfrm>
+            </p:contentPart>
+          </mc:Choice>
+          <mc:Fallback>
+            <p:pic>
+              <p:nvPicPr>
+                <p:cNvPr id="5" name="Ink 4">
+                  <a:extLst>
+                    <a:ext uri="{FF2B5EF4-FFF2-40B4-BE49-F238E27FC236}">
+                      <a16:creationId xmlns:a16="http://schemas.microsoft.com/office/drawing/2014/main" id="{AE784764-8BC8-476C-B318-D7FFC6AEDCB8}"/>
+                    </a:ext>
+                  </a:extLst>
+                </p:cNvPr>
+                <p:cNvPicPr/>
+                <p:nvPr/>
+              </p:nvPicPr>
+              <p:blipFill>
+                <a:blip r:embed="rId5"/>
+                <a:stretch>
+                  <a:fillRect/>
+                </a:stretch>
+              </p:blipFill>
+              <p:spPr>
+                <a:xfrm>
+                  <a:off x="1843849" y="1682179"/>
+                  <a:ext cx="897840" cy="57960"/>
+                </a:xfrm>
+                <a:prstGeom prst="rect">
+                  <a:avLst/>
+                </a:prstGeom>
+              </p:spPr>
+            </p:pic>
+          </mc:Fallback>
+        </mc:AlternateContent>
+      </p:grpSp>
+      <mc:AlternateContent xmlns:mc="http://schemas.openxmlformats.org/markup-compatibility/2006">
+        <mc:Choice xmlns:p14="http://schemas.microsoft.com/office/powerpoint/2010/main" Requires="p14">
+          <p:contentPart p14:bwMode="auto" r:id="rId6">
+            <p14:nvContentPartPr>
+              <p14:cNvPr id="7" name="Ink 6">
+                <a:extLst>
+                  <a:ext uri="{FF2B5EF4-FFF2-40B4-BE49-F238E27FC236}">
+                    <a16:creationId xmlns:a16="http://schemas.microsoft.com/office/drawing/2014/main" id="{17A12BE1-0708-44F6-B7BA-4C2382D46FC4}"/>
+                  </a:ext>
+                </a:extLst>
+              </p14:cNvPr>
+              <p14:cNvContentPartPr/>
+              <p14:nvPr/>
+            </p14:nvContentPartPr>
+            <p14:xfrm>
+              <a:off x="1143649" y="2078179"/>
+              <a:ext cx="1708920" cy="93600"/>
+            </p14:xfrm>
+          </p:contentPart>
+        </mc:Choice>
+        <mc:Fallback>
+          <p:pic>
+            <p:nvPicPr>
+              <p:cNvPr id="7" name="Ink 6">
+                <a:extLst>
+                  <a:ext uri="{FF2B5EF4-FFF2-40B4-BE49-F238E27FC236}">
+                    <a16:creationId xmlns:a16="http://schemas.microsoft.com/office/drawing/2014/main" id="{17A12BE1-0708-44F6-B7BA-4C2382D46FC4}"/>
+                  </a:ext>
+                </a:extLst>
+              </p:cNvPr>
+              <p:cNvPicPr/>
+              <p:nvPr/>
+            </p:nvPicPr>
+            <p:blipFill>
+              <a:blip r:embed="rId7"/>
+              <a:stretch>
+                <a:fillRect/>
+              </a:stretch>
+            </p:blipFill>
+            <p:spPr>
+              <a:xfrm>
+                <a:off x="1134649" y="2069539"/>
+                <a:ext cx="1726560" cy="111240"/>
+              </a:xfrm>
+              <a:prstGeom prst="rect">
+                <a:avLst/>
+              </a:prstGeom>
+            </p:spPr>
+          </p:pic>
+        </mc:Fallback>
+      </mc:AlternateContent>
+      <mc:AlternateContent xmlns:mc="http://schemas.openxmlformats.org/markup-compatibility/2006">
+        <mc:Choice xmlns:p14="http://schemas.microsoft.com/office/powerpoint/2010/main" Requires="p14">
+          <p:contentPart p14:bwMode="auto" r:id="rId8">
+            <p14:nvContentPartPr>
+              <p14:cNvPr id="20" name="Ink 19">
+                <a:extLst>
+                  <a:ext uri="{FF2B5EF4-FFF2-40B4-BE49-F238E27FC236}">
+                    <a16:creationId xmlns:a16="http://schemas.microsoft.com/office/drawing/2014/main" id="{B6CBC596-161B-4867-90A4-1FAEEE3C4DC0}"/>
+                  </a:ext>
+                </a:extLst>
+              </p14:cNvPr>
+              <p14:cNvContentPartPr/>
+              <p14:nvPr/>
+            </p14:nvContentPartPr>
+            <p14:xfrm>
+              <a:off x="3379249" y="1254499"/>
+              <a:ext cx="478800" cy="49680"/>
+            </p14:xfrm>
+          </p:contentPart>
+        </mc:Choice>
+        <mc:Fallback>
+          <p:pic>
+            <p:nvPicPr>
+              <p:cNvPr id="20" name="Ink 19">
+                <a:extLst>
+                  <a:ext uri="{FF2B5EF4-FFF2-40B4-BE49-F238E27FC236}">
+                    <a16:creationId xmlns:a16="http://schemas.microsoft.com/office/drawing/2014/main" id="{B6CBC596-161B-4867-90A4-1FAEEE3C4DC0}"/>
+                  </a:ext>
+                </a:extLst>
+              </p:cNvPr>
+              <p:cNvPicPr/>
+              <p:nvPr/>
+            </p:nvPicPr>
+            <p:blipFill>
+              <a:blip r:embed="rId9"/>
+              <a:stretch>
+                <a:fillRect/>
+              </a:stretch>
+            </p:blipFill>
+            <p:spPr>
+              <a:xfrm>
+                <a:off x="3370249" y="1245859"/>
+                <a:ext cx="496440" cy="67320"/>
+              </a:xfrm>
+              <a:prstGeom prst="rect">
+                <a:avLst/>
+              </a:prstGeom>
+            </p:spPr>
+          </p:pic>
+        </mc:Fallback>
+      </mc:AlternateContent>
+      <p:grpSp>
+        <p:nvGrpSpPr>
+          <p:cNvPr id="24" name="Group 23">
+            <a:extLst>
+              <a:ext uri="{FF2B5EF4-FFF2-40B4-BE49-F238E27FC236}">
+                <a16:creationId xmlns:a16="http://schemas.microsoft.com/office/drawing/2014/main" id="{3606A9EA-67A2-42BA-A58B-2FC26D9C6AA0}"/>
+              </a:ext>
+            </a:extLst>
+          </p:cNvPr>
+          <p:cNvGrpSpPr/>
+          <p:nvPr/>
+        </p:nvGrpSpPr>
+        <p:grpSpPr>
+          <a:xfrm>
+            <a:off x="1135729" y="760939"/>
+            <a:ext cx="3037680" cy="578520"/>
+            <a:chOff x="1135729" y="760939"/>
+            <a:chExt cx="3037680" cy="578520"/>
+          </a:xfrm>
+        </p:grpSpPr>
+        <mc:AlternateContent xmlns:mc="http://schemas.openxmlformats.org/markup-compatibility/2006">
+          <mc:Choice xmlns:p14="http://schemas.microsoft.com/office/powerpoint/2010/main" Requires="p14">
+            <p:contentPart p14:bwMode="auto" r:id="rId10">
+              <p14:nvContentPartPr>
+                <p14:cNvPr id="8" name="Ink 7">
+                  <a:extLst>
+                    <a:ext uri="{FF2B5EF4-FFF2-40B4-BE49-F238E27FC236}">
+                      <a16:creationId xmlns:a16="http://schemas.microsoft.com/office/drawing/2014/main" id="{58516A0A-F438-4EFF-B8D5-70A2766E2980}"/>
+                    </a:ext>
+                  </a:extLst>
+                </p14:cNvPr>
+                <p14:cNvContentPartPr/>
+                <p14:nvPr/>
+              </p14:nvContentPartPr>
+              <p14:xfrm>
+                <a:off x="1135729" y="1180339"/>
+                <a:ext cx="905400" cy="159120"/>
+              </p14:xfrm>
+            </p:contentPart>
+          </mc:Choice>
+          <mc:Fallback>
+            <p:pic>
+              <p:nvPicPr>
+                <p:cNvPr id="8" name="Ink 7">
+                  <a:extLst>
+                    <a:ext uri="{FF2B5EF4-FFF2-40B4-BE49-F238E27FC236}">
+                      <a16:creationId xmlns:a16="http://schemas.microsoft.com/office/drawing/2014/main" id="{58516A0A-F438-4EFF-B8D5-70A2766E2980}"/>
+                    </a:ext>
+                  </a:extLst>
+                </p:cNvPr>
+                <p:cNvPicPr/>
+                <p:nvPr/>
+              </p:nvPicPr>
+              <p:blipFill>
+                <a:blip r:embed="rId11"/>
+                <a:stretch>
+                  <a:fillRect/>
+                </a:stretch>
+              </p:blipFill>
+              <p:spPr>
+                <a:xfrm>
+                  <a:off x="1127089" y="1171699"/>
+                  <a:ext cx="923040" cy="176760"/>
+                </a:xfrm>
+                <a:prstGeom prst="rect">
+                  <a:avLst/>
+                </a:prstGeom>
+              </p:spPr>
+            </p:pic>
+          </mc:Fallback>
+        </mc:AlternateContent>
+        <mc:AlternateContent xmlns:mc="http://schemas.openxmlformats.org/markup-compatibility/2006">
+          <mc:Choice xmlns:p14="http://schemas.microsoft.com/office/powerpoint/2010/main" Requires="p14">
+            <p:contentPart p14:bwMode="auto" r:id="rId12">
+              <p14:nvContentPartPr>
+                <p14:cNvPr id="9" name="Ink 8">
+                  <a:extLst>
+                    <a:ext uri="{FF2B5EF4-FFF2-40B4-BE49-F238E27FC236}">
+                      <a16:creationId xmlns:a16="http://schemas.microsoft.com/office/drawing/2014/main" id="{F68A98BB-3717-449F-B203-327B30F24778}"/>
+                    </a:ext>
+                  </a:extLst>
+                </p14:cNvPr>
+                <p14:cNvContentPartPr/>
+                <p14:nvPr/>
+              </p14:nvContentPartPr>
+              <p14:xfrm>
+                <a:off x="2211049" y="1061899"/>
+                <a:ext cx="117720" cy="216000"/>
+              </p14:xfrm>
+            </p:contentPart>
+          </mc:Choice>
+          <mc:Fallback>
+            <p:pic>
+              <p:nvPicPr>
+                <p:cNvPr id="9" name="Ink 8">
+                  <a:extLst>
+                    <a:ext uri="{FF2B5EF4-FFF2-40B4-BE49-F238E27FC236}">
+                      <a16:creationId xmlns:a16="http://schemas.microsoft.com/office/drawing/2014/main" id="{F68A98BB-3717-449F-B203-327B30F24778}"/>
+                    </a:ext>
+                  </a:extLst>
+                </p:cNvPr>
+                <p:cNvPicPr/>
+                <p:nvPr/>
+              </p:nvPicPr>
+              <p:blipFill>
+                <a:blip r:embed="rId13"/>
+                <a:stretch>
+                  <a:fillRect/>
+                </a:stretch>
+              </p:blipFill>
+              <p:spPr>
+                <a:xfrm>
+                  <a:off x="2202049" y="1053259"/>
+                  <a:ext cx="135360" cy="233640"/>
+                </a:xfrm>
+                <a:prstGeom prst="rect">
+                  <a:avLst/>
+                </a:prstGeom>
+              </p:spPr>
+            </p:pic>
+          </mc:Fallback>
+        </mc:AlternateContent>
+        <mc:AlternateContent xmlns:mc="http://schemas.openxmlformats.org/markup-compatibility/2006">
+          <mc:Choice xmlns:p14="http://schemas.microsoft.com/office/powerpoint/2010/main" Requires="p14">
+            <p:contentPart p14:bwMode="auto" r:id="rId14">
+              <p14:nvContentPartPr>
+                <p14:cNvPr id="10" name="Ink 9">
+                  <a:extLst>
+                    <a:ext uri="{FF2B5EF4-FFF2-40B4-BE49-F238E27FC236}">
+                      <a16:creationId xmlns:a16="http://schemas.microsoft.com/office/drawing/2014/main" id="{2CE8E226-3577-42DD-B154-5204B3FD99BD}"/>
+                    </a:ext>
+                  </a:extLst>
+                </p14:cNvPr>
+                <p14:cNvContentPartPr/>
+                <p14:nvPr/>
+              </p14:nvContentPartPr>
+              <p14:xfrm>
+                <a:off x="2374489" y="1203019"/>
+                <a:ext cx="120240" cy="84960"/>
+              </p14:xfrm>
+            </p:contentPart>
+          </mc:Choice>
+          <mc:Fallback>
+            <p:pic>
+              <p:nvPicPr>
+                <p:cNvPr id="10" name="Ink 9">
+                  <a:extLst>
+                    <a:ext uri="{FF2B5EF4-FFF2-40B4-BE49-F238E27FC236}">
+                      <a16:creationId xmlns:a16="http://schemas.microsoft.com/office/drawing/2014/main" id="{2CE8E226-3577-42DD-B154-5204B3FD99BD}"/>
+                    </a:ext>
+                  </a:extLst>
+                </p:cNvPr>
+                <p:cNvPicPr/>
+                <p:nvPr/>
+              </p:nvPicPr>
+              <p:blipFill>
+                <a:blip r:embed="rId15"/>
+                <a:stretch>
+                  <a:fillRect/>
+                </a:stretch>
+              </p:blipFill>
+              <p:spPr>
+                <a:xfrm>
+                  <a:off x="2365489" y="1194379"/>
+                  <a:ext cx="137880" cy="102600"/>
+                </a:xfrm>
+                <a:prstGeom prst="rect">
+                  <a:avLst/>
+                </a:prstGeom>
+              </p:spPr>
+            </p:pic>
+          </mc:Fallback>
+        </mc:AlternateContent>
+        <mc:AlternateContent xmlns:mc="http://schemas.openxmlformats.org/markup-compatibility/2006">
+          <mc:Choice xmlns:p14="http://schemas.microsoft.com/office/powerpoint/2010/main" Requires="p14">
+            <p:contentPart p14:bwMode="auto" r:id="rId16">
+              <p14:nvContentPartPr>
+                <p14:cNvPr id="11" name="Ink 10">
+                  <a:extLst>
+                    <a:ext uri="{FF2B5EF4-FFF2-40B4-BE49-F238E27FC236}">
+                      <a16:creationId xmlns:a16="http://schemas.microsoft.com/office/drawing/2014/main" id="{4652E5F4-850F-47BC-91F0-EA20DD90E8DA}"/>
+                    </a:ext>
+                  </a:extLst>
+                </p14:cNvPr>
+                <p14:cNvContentPartPr/>
+                <p14:nvPr/>
+              </p14:nvContentPartPr>
+              <p14:xfrm>
+                <a:off x="2519209" y="1182499"/>
+                <a:ext cx="140400" cy="95040"/>
+              </p14:xfrm>
+            </p:contentPart>
+          </mc:Choice>
+          <mc:Fallback>
+            <p:pic>
+              <p:nvPicPr>
+                <p:cNvPr id="11" name="Ink 10">
+                  <a:extLst>
+                    <a:ext uri="{FF2B5EF4-FFF2-40B4-BE49-F238E27FC236}">
+                      <a16:creationId xmlns:a16="http://schemas.microsoft.com/office/drawing/2014/main" id="{4652E5F4-850F-47BC-91F0-EA20DD90E8DA}"/>
+                    </a:ext>
+                  </a:extLst>
+                </p:cNvPr>
+                <p:cNvPicPr/>
+                <p:nvPr/>
+              </p:nvPicPr>
+              <p:blipFill>
+                <a:blip r:embed="rId17"/>
+                <a:stretch>
+                  <a:fillRect/>
+                </a:stretch>
+              </p:blipFill>
+              <p:spPr>
+                <a:xfrm>
+                  <a:off x="2510209" y="1173499"/>
+                  <a:ext cx="158040" cy="112680"/>
+                </a:xfrm>
+                <a:prstGeom prst="rect">
+                  <a:avLst/>
+                </a:prstGeom>
+              </p:spPr>
+            </p:pic>
+          </mc:Fallback>
+        </mc:AlternateContent>
+        <mc:AlternateContent xmlns:mc="http://schemas.openxmlformats.org/markup-compatibility/2006">
+          <mc:Choice xmlns:p14="http://schemas.microsoft.com/office/powerpoint/2010/main" Requires="p14">
+            <p:contentPart p14:bwMode="auto" r:id="rId18">
+              <p14:nvContentPartPr>
+                <p14:cNvPr id="12" name="Ink 11">
+                  <a:extLst>
+                    <a:ext uri="{FF2B5EF4-FFF2-40B4-BE49-F238E27FC236}">
+                      <a16:creationId xmlns:a16="http://schemas.microsoft.com/office/drawing/2014/main" id="{6F176861-2F36-4DB9-8323-BA5017E456D5}"/>
+                    </a:ext>
+                  </a:extLst>
+                </p14:cNvPr>
+                <p14:cNvContentPartPr/>
+                <p14:nvPr/>
+              </p14:nvContentPartPr>
+              <p14:xfrm>
+                <a:off x="2703529" y="1078819"/>
+                <a:ext cx="91800" cy="177840"/>
+              </p14:xfrm>
+            </p:contentPart>
+          </mc:Choice>
+          <mc:Fallback>
+            <p:pic>
+              <p:nvPicPr>
+                <p:cNvPr id="12" name="Ink 11">
+                  <a:extLst>
+                    <a:ext uri="{FF2B5EF4-FFF2-40B4-BE49-F238E27FC236}">
+                      <a16:creationId xmlns:a16="http://schemas.microsoft.com/office/drawing/2014/main" id="{6F176861-2F36-4DB9-8323-BA5017E456D5}"/>
+                    </a:ext>
+                  </a:extLst>
+                </p:cNvPr>
+                <p:cNvPicPr/>
+                <p:nvPr/>
+              </p:nvPicPr>
+              <p:blipFill>
+                <a:blip r:embed="rId19"/>
+                <a:stretch>
+                  <a:fillRect/>
+                </a:stretch>
+              </p:blipFill>
+              <p:spPr>
+                <a:xfrm>
+                  <a:off x="2694889" y="1070179"/>
+                  <a:ext cx="109440" cy="195480"/>
+                </a:xfrm>
+                <a:prstGeom prst="rect">
+                  <a:avLst/>
+                </a:prstGeom>
+              </p:spPr>
+            </p:pic>
+          </mc:Fallback>
+        </mc:AlternateContent>
+        <mc:AlternateContent xmlns:mc="http://schemas.openxmlformats.org/markup-compatibility/2006">
+          <mc:Choice xmlns:p14="http://schemas.microsoft.com/office/powerpoint/2010/main" Requires="p14">
+            <p:contentPart p14:bwMode="auto" r:id="rId20">
+              <p14:nvContentPartPr>
+                <p14:cNvPr id="13" name="Ink 12">
+                  <a:extLst>
+                    <a:ext uri="{FF2B5EF4-FFF2-40B4-BE49-F238E27FC236}">
+                      <a16:creationId xmlns:a16="http://schemas.microsoft.com/office/drawing/2014/main" id="{7ADD91BF-82CF-4978-B903-34F128E07487}"/>
+                    </a:ext>
+                  </a:extLst>
+                </p14:cNvPr>
+                <p14:cNvContentPartPr/>
+                <p14:nvPr/>
+              </p14:nvContentPartPr>
+              <p14:xfrm>
+                <a:off x="2988289" y="1123819"/>
+                <a:ext cx="103320" cy="133200"/>
+              </p14:xfrm>
+            </p:contentPart>
+          </mc:Choice>
+          <mc:Fallback>
+            <p:pic>
+              <p:nvPicPr>
+                <p:cNvPr id="13" name="Ink 12">
+                  <a:extLst>
+                    <a:ext uri="{FF2B5EF4-FFF2-40B4-BE49-F238E27FC236}">
+                      <a16:creationId xmlns:a16="http://schemas.microsoft.com/office/drawing/2014/main" id="{7ADD91BF-82CF-4978-B903-34F128E07487}"/>
+                    </a:ext>
+                  </a:extLst>
+                </p:cNvPr>
+                <p:cNvPicPr/>
+                <p:nvPr/>
+              </p:nvPicPr>
+              <p:blipFill>
+                <a:blip r:embed="rId21"/>
+                <a:stretch>
+                  <a:fillRect/>
+                </a:stretch>
+              </p:blipFill>
+              <p:spPr>
+                <a:xfrm>
+                  <a:off x="2979289" y="1115179"/>
+                  <a:ext cx="120960" cy="150840"/>
+                </a:xfrm>
+                <a:prstGeom prst="rect">
+                  <a:avLst/>
+                </a:prstGeom>
+              </p:spPr>
+            </p:pic>
+          </mc:Fallback>
+        </mc:AlternateContent>
+        <mc:AlternateContent xmlns:mc="http://schemas.openxmlformats.org/markup-compatibility/2006">
+          <mc:Choice xmlns:p14="http://schemas.microsoft.com/office/powerpoint/2010/main" Requires="p14">
+            <p:contentPart p14:bwMode="auto" r:id="rId22">
+              <p14:nvContentPartPr>
+                <p14:cNvPr id="14" name="Ink 13">
+                  <a:extLst>
+                    <a:ext uri="{FF2B5EF4-FFF2-40B4-BE49-F238E27FC236}">
+                      <a16:creationId xmlns:a16="http://schemas.microsoft.com/office/drawing/2014/main" id="{1DC958CB-833F-468D-9898-24288F89A59E}"/>
+                    </a:ext>
+                  </a:extLst>
+                </p14:cNvPr>
+                <p14:cNvContentPartPr/>
+                <p14:nvPr/>
+              </p14:nvContentPartPr>
+              <p14:xfrm>
+                <a:off x="3118969" y="1158019"/>
+                <a:ext cx="106560" cy="81720"/>
+              </p14:xfrm>
+            </p:contentPart>
+          </mc:Choice>
+          <mc:Fallback>
+            <p:pic>
+              <p:nvPicPr>
+                <p:cNvPr id="14" name="Ink 13">
+                  <a:extLst>
+                    <a:ext uri="{FF2B5EF4-FFF2-40B4-BE49-F238E27FC236}">
+                      <a16:creationId xmlns:a16="http://schemas.microsoft.com/office/drawing/2014/main" id="{1DC958CB-833F-468D-9898-24288F89A59E}"/>
+                    </a:ext>
+                  </a:extLst>
+                </p:cNvPr>
+                <p:cNvPicPr/>
+                <p:nvPr/>
+              </p:nvPicPr>
+              <p:blipFill>
+                <a:blip r:embed="rId23"/>
+                <a:stretch>
+                  <a:fillRect/>
+                </a:stretch>
+              </p:blipFill>
+              <p:spPr>
+                <a:xfrm>
+                  <a:off x="3110329" y="1149019"/>
+                  <a:ext cx="124200" cy="99360"/>
+                </a:xfrm>
+                <a:prstGeom prst="rect">
+                  <a:avLst/>
+                </a:prstGeom>
+              </p:spPr>
+            </p:pic>
+          </mc:Fallback>
+        </mc:AlternateContent>
+        <mc:AlternateContent xmlns:mc="http://schemas.openxmlformats.org/markup-compatibility/2006">
+          <mc:Choice xmlns:p14="http://schemas.microsoft.com/office/powerpoint/2010/main" Requires="p14">
+            <p:contentPart p14:bwMode="auto" r:id="rId24">
+              <p14:nvContentPartPr>
+                <p14:cNvPr id="15" name="Ink 14">
+                  <a:extLst>
+                    <a:ext uri="{FF2B5EF4-FFF2-40B4-BE49-F238E27FC236}">
+                      <a16:creationId xmlns:a16="http://schemas.microsoft.com/office/drawing/2014/main" id="{8E879FD9-DD17-4D24-81EF-DB0A1F3438A2}"/>
+                    </a:ext>
+                  </a:extLst>
+                </p14:cNvPr>
+                <p14:cNvContentPartPr/>
+                <p14:nvPr/>
+              </p14:nvContentPartPr>
+              <p14:xfrm>
+                <a:off x="3471049" y="1029499"/>
+                <a:ext cx="71640" cy="185040"/>
+              </p14:xfrm>
+            </p:contentPart>
+          </mc:Choice>
+          <mc:Fallback>
+            <p:pic>
+              <p:nvPicPr>
+                <p:cNvPr id="15" name="Ink 14">
+                  <a:extLst>
+                    <a:ext uri="{FF2B5EF4-FFF2-40B4-BE49-F238E27FC236}">
+                      <a16:creationId xmlns:a16="http://schemas.microsoft.com/office/drawing/2014/main" id="{8E879FD9-DD17-4D24-81EF-DB0A1F3438A2}"/>
+                    </a:ext>
+                  </a:extLst>
+                </p:cNvPr>
+                <p:cNvPicPr/>
+                <p:nvPr/>
+              </p:nvPicPr>
+              <p:blipFill>
+                <a:blip r:embed="rId25"/>
+                <a:stretch>
+                  <a:fillRect/>
+                </a:stretch>
+              </p:blipFill>
+              <p:spPr>
+                <a:xfrm>
+                  <a:off x="3462409" y="1020499"/>
+                  <a:ext cx="89280" cy="202680"/>
+                </a:xfrm>
+                <a:prstGeom prst="rect">
+                  <a:avLst/>
+                </a:prstGeom>
+              </p:spPr>
+            </p:pic>
+          </mc:Fallback>
+        </mc:AlternateContent>
+        <mc:AlternateContent xmlns:mc="http://schemas.openxmlformats.org/markup-compatibility/2006">
+          <mc:Choice xmlns:p14="http://schemas.microsoft.com/office/powerpoint/2010/main" Requires="p14">
+            <p:contentPart p14:bwMode="auto" r:id="rId26">
+              <p14:nvContentPartPr>
+                <p14:cNvPr id="16" name="Ink 15">
+                  <a:extLst>
+                    <a:ext uri="{FF2B5EF4-FFF2-40B4-BE49-F238E27FC236}">
+                      <a16:creationId xmlns:a16="http://schemas.microsoft.com/office/drawing/2014/main" id="{2223EB3E-9B0F-4C6B-A7F8-B10C0F1DD675}"/>
+                    </a:ext>
+                  </a:extLst>
+                </p14:cNvPr>
+                <p14:cNvContentPartPr/>
+                <p14:nvPr/>
+              </p14:nvContentPartPr>
+              <p14:xfrm>
+                <a:off x="3549169" y="1041019"/>
+                <a:ext cx="111960" cy="203040"/>
+              </p14:xfrm>
+            </p:contentPart>
+          </mc:Choice>
+          <mc:Fallback>
+            <p:pic>
+              <p:nvPicPr>
+                <p:cNvPr id="16" name="Ink 15">
+                  <a:extLst>
+                    <a:ext uri="{FF2B5EF4-FFF2-40B4-BE49-F238E27FC236}">
+                      <a16:creationId xmlns:a16="http://schemas.microsoft.com/office/drawing/2014/main" id="{2223EB3E-9B0F-4C6B-A7F8-B10C0F1DD675}"/>
+                    </a:ext>
+                  </a:extLst>
+                </p:cNvPr>
+                <p:cNvPicPr/>
+                <p:nvPr/>
+              </p:nvPicPr>
+              <p:blipFill>
+                <a:blip r:embed="rId27"/>
+                <a:stretch>
+                  <a:fillRect/>
+                </a:stretch>
+              </p:blipFill>
+              <p:spPr>
+                <a:xfrm>
+                  <a:off x="3540169" y="1032379"/>
+                  <a:ext cx="129600" cy="220680"/>
+                </a:xfrm>
+                <a:prstGeom prst="rect">
+                  <a:avLst/>
+                </a:prstGeom>
+              </p:spPr>
+            </p:pic>
+          </mc:Fallback>
+        </mc:AlternateContent>
+        <mc:AlternateContent xmlns:mc="http://schemas.openxmlformats.org/markup-compatibility/2006">
+          <mc:Choice xmlns:p14="http://schemas.microsoft.com/office/powerpoint/2010/main" Requires="p14">
+            <p:contentPart p14:bwMode="auto" r:id="rId28">
+              <p14:nvContentPartPr>
+                <p14:cNvPr id="17" name="Ink 16">
+                  <a:extLst>
+                    <a:ext uri="{FF2B5EF4-FFF2-40B4-BE49-F238E27FC236}">
+                      <a16:creationId xmlns:a16="http://schemas.microsoft.com/office/drawing/2014/main" id="{96EBF108-F25D-4B29-9041-E82A52D326A3}"/>
+                    </a:ext>
+                  </a:extLst>
+                </p14:cNvPr>
+                <p14:cNvContentPartPr/>
+                <p14:nvPr/>
+              </p14:nvContentPartPr>
+              <p14:xfrm>
+                <a:off x="3541609" y="1129579"/>
+                <a:ext cx="111960" cy="53280"/>
+              </p14:xfrm>
+            </p:contentPart>
+          </mc:Choice>
+          <mc:Fallback>
+            <p:pic>
+              <p:nvPicPr>
+                <p:cNvPr id="17" name="Ink 16">
+                  <a:extLst>
+                    <a:ext uri="{FF2B5EF4-FFF2-40B4-BE49-F238E27FC236}">
+                      <a16:creationId xmlns:a16="http://schemas.microsoft.com/office/drawing/2014/main" id="{96EBF108-F25D-4B29-9041-E82A52D326A3}"/>
+                    </a:ext>
+                  </a:extLst>
+                </p:cNvPr>
+                <p:cNvPicPr/>
+                <p:nvPr/>
+              </p:nvPicPr>
+              <p:blipFill>
+                <a:blip r:embed="rId29"/>
+                <a:stretch>
+                  <a:fillRect/>
+                </a:stretch>
+              </p:blipFill>
+              <p:spPr>
+                <a:xfrm>
+                  <a:off x="3532609" y="1120579"/>
+                  <a:ext cx="129600" cy="70920"/>
+                </a:xfrm>
+                <a:prstGeom prst="rect">
+                  <a:avLst/>
+                </a:prstGeom>
+              </p:spPr>
+            </p:pic>
+          </mc:Fallback>
+        </mc:AlternateContent>
+        <mc:AlternateContent xmlns:mc="http://schemas.openxmlformats.org/markup-compatibility/2006">
+          <mc:Choice xmlns:p14="http://schemas.microsoft.com/office/powerpoint/2010/main" Requires="p14">
+            <p:contentPart p14:bwMode="auto" r:id="rId30">
+              <p14:nvContentPartPr>
+                <p14:cNvPr id="18" name="Ink 17">
+                  <a:extLst>
+                    <a:ext uri="{FF2B5EF4-FFF2-40B4-BE49-F238E27FC236}">
+                      <a16:creationId xmlns:a16="http://schemas.microsoft.com/office/drawing/2014/main" id="{2CC0751B-DA97-4F35-85A0-3A83D526BE60}"/>
+                    </a:ext>
+                  </a:extLst>
+                </p14:cNvPr>
+                <p14:cNvContentPartPr/>
+                <p14:nvPr/>
+              </p14:nvContentPartPr>
+              <p14:xfrm>
+                <a:off x="3682729" y="1019059"/>
+                <a:ext cx="147960" cy="160200"/>
+              </p14:xfrm>
+            </p:contentPart>
+          </mc:Choice>
+          <mc:Fallback>
+            <p:pic>
+              <p:nvPicPr>
+                <p:cNvPr id="18" name="Ink 17">
+                  <a:extLst>
+                    <a:ext uri="{FF2B5EF4-FFF2-40B4-BE49-F238E27FC236}">
+                      <a16:creationId xmlns:a16="http://schemas.microsoft.com/office/drawing/2014/main" id="{2CC0751B-DA97-4F35-85A0-3A83D526BE60}"/>
+                    </a:ext>
+                  </a:extLst>
+                </p:cNvPr>
+                <p:cNvPicPr/>
+                <p:nvPr/>
+              </p:nvPicPr>
+              <p:blipFill>
+                <a:blip r:embed="rId31"/>
+                <a:stretch>
+                  <a:fillRect/>
+                </a:stretch>
+              </p:blipFill>
+              <p:spPr>
+                <a:xfrm>
+                  <a:off x="3673729" y="1010059"/>
+                  <a:ext cx="165600" cy="177840"/>
+                </a:xfrm>
+                <a:prstGeom prst="rect">
+                  <a:avLst/>
+                </a:prstGeom>
+              </p:spPr>
+            </p:pic>
+          </mc:Fallback>
+        </mc:AlternateContent>
+        <mc:AlternateContent xmlns:mc="http://schemas.openxmlformats.org/markup-compatibility/2006">
+          <mc:Choice xmlns:p14="http://schemas.microsoft.com/office/powerpoint/2010/main" Requires="p14">
+            <p:contentPart p14:bwMode="auto" r:id="rId32">
+              <p14:nvContentPartPr>
+                <p14:cNvPr id="22" name="Ink 21">
+                  <a:extLst>
+                    <a:ext uri="{FF2B5EF4-FFF2-40B4-BE49-F238E27FC236}">
+                      <a16:creationId xmlns:a16="http://schemas.microsoft.com/office/drawing/2014/main" id="{B05605FD-FED7-4003-96FC-0F2F90E3506F}"/>
+                    </a:ext>
+                  </a:extLst>
+                </p14:cNvPr>
+                <p14:cNvContentPartPr/>
+                <p14:nvPr/>
+              </p14:nvContentPartPr>
+              <p14:xfrm>
+                <a:off x="3945529" y="760939"/>
+                <a:ext cx="227880" cy="303480"/>
+              </p14:xfrm>
+            </p:contentPart>
+          </mc:Choice>
+          <mc:Fallback>
+            <p:pic>
+              <p:nvPicPr>
+                <p:cNvPr id="22" name="Ink 21">
+                  <a:extLst>
+                    <a:ext uri="{FF2B5EF4-FFF2-40B4-BE49-F238E27FC236}">
+                      <a16:creationId xmlns:a16="http://schemas.microsoft.com/office/drawing/2014/main" id="{B05605FD-FED7-4003-96FC-0F2F90E3506F}"/>
+                    </a:ext>
+                  </a:extLst>
+                </p:cNvPr>
+                <p:cNvPicPr/>
+                <p:nvPr/>
+              </p:nvPicPr>
+              <p:blipFill>
+                <a:blip r:embed="rId33"/>
+                <a:stretch>
+                  <a:fillRect/>
+                </a:stretch>
+              </p:blipFill>
+              <p:spPr>
+                <a:xfrm>
+                  <a:off x="3936529" y="751939"/>
+                  <a:ext cx="245520" cy="321120"/>
+                </a:xfrm>
+                <a:prstGeom prst="rect">
+                  <a:avLst/>
+                </a:prstGeom>
+              </p:spPr>
+            </p:pic>
+          </mc:Fallback>
+        </mc:AlternateContent>
+      </p:grpSp>
+      <mc:AlternateContent xmlns:mc="http://schemas.openxmlformats.org/markup-compatibility/2006">
+        <mc:Choice xmlns:p14="http://schemas.microsoft.com/office/powerpoint/2010/main" Requires="p14">
+          <p:contentPart p14:bwMode="auto" r:id="rId34">
+            <p14:nvContentPartPr>
+              <p14:cNvPr id="23" name="Ink 22">
+                <a:extLst>
+                  <a:ext uri="{FF2B5EF4-FFF2-40B4-BE49-F238E27FC236}">
+                    <a16:creationId xmlns:a16="http://schemas.microsoft.com/office/drawing/2014/main" id="{E99AD25F-EDAD-4F37-8B20-A57F22E2FB6E}"/>
+                  </a:ext>
+                </a:extLst>
+              </p14:cNvPr>
+              <p14:cNvContentPartPr/>
+              <p14:nvPr/>
+            </p14:nvContentPartPr>
+            <p14:xfrm>
+              <a:off x="1360729" y="2457259"/>
+              <a:ext cx="462600" cy="29520"/>
+            </p14:xfrm>
+          </p:contentPart>
+        </mc:Choice>
+        <mc:Fallback>
+          <p:pic>
+            <p:nvPicPr>
+              <p:cNvPr id="23" name="Ink 22">
+                <a:extLst>
+                  <a:ext uri="{FF2B5EF4-FFF2-40B4-BE49-F238E27FC236}">
+                    <a16:creationId xmlns:a16="http://schemas.microsoft.com/office/drawing/2014/main" id="{E99AD25F-EDAD-4F37-8B20-A57F22E2FB6E}"/>
+                  </a:ext>
+                </a:extLst>
+              </p:cNvPr>
+              <p:cNvPicPr/>
+              <p:nvPr/>
+            </p:nvPicPr>
+            <p:blipFill>
+              <a:blip r:embed="rId35"/>
+              <a:stretch>
+                <a:fillRect/>
+              </a:stretch>
+            </p:blipFill>
+            <p:spPr>
+              <a:xfrm>
+                <a:off x="1351729" y="2448619"/>
+                <a:ext cx="480240" cy="47160"/>
+              </a:xfrm>
+              <a:prstGeom prst="rect">
+                <a:avLst/>
+              </a:prstGeom>
+            </p:spPr>
+          </p:pic>
+        </mc:Fallback>
+      </mc:AlternateContent>
+      <p:grpSp>
+        <p:nvGrpSpPr>
+          <p:cNvPr id="31" name="Group 30">
+            <a:extLst>
+              <a:ext uri="{FF2B5EF4-FFF2-40B4-BE49-F238E27FC236}">
+                <a16:creationId xmlns:a16="http://schemas.microsoft.com/office/drawing/2014/main" id="{A843AE68-A156-455E-84C0-B349B6865F34}"/>
+              </a:ext>
+            </a:extLst>
+          </p:cNvPr>
+          <p:cNvGrpSpPr/>
+          <p:nvPr/>
+        </p:nvGrpSpPr>
+        <p:grpSpPr>
+          <a:xfrm>
+            <a:off x="4227769" y="516139"/>
+            <a:ext cx="593280" cy="407160"/>
+            <a:chOff x="4227769" y="516139"/>
+            <a:chExt cx="593280" cy="407160"/>
+          </a:xfrm>
+        </p:grpSpPr>
+        <mc:AlternateContent xmlns:mc="http://schemas.openxmlformats.org/markup-compatibility/2006">
+          <mc:Choice xmlns:p14="http://schemas.microsoft.com/office/powerpoint/2010/main" Requires="p14">
+            <p:contentPart p14:bwMode="auto" r:id="rId36">
+              <p14:nvContentPartPr>
+                <p14:cNvPr id="25" name="Ink 24">
+                  <a:extLst>
+                    <a:ext uri="{FF2B5EF4-FFF2-40B4-BE49-F238E27FC236}">
+                      <a16:creationId xmlns:a16="http://schemas.microsoft.com/office/drawing/2014/main" id="{729E41BC-3DE8-4146-B37F-C5DE9F158CDE}"/>
+                    </a:ext>
+                  </a:extLst>
+                </p14:cNvPr>
+                <p14:cNvContentPartPr/>
+                <p14:nvPr/>
+              </p14:nvContentPartPr>
+              <p14:xfrm>
+                <a:off x="4260169" y="619459"/>
+                <a:ext cx="140400" cy="198360"/>
+              </p14:xfrm>
+            </p:contentPart>
+          </mc:Choice>
+          <mc:Fallback>
+            <p:pic>
+              <p:nvPicPr>
+                <p:cNvPr id="25" name="Ink 24">
+                  <a:extLst>
+                    <a:ext uri="{FF2B5EF4-FFF2-40B4-BE49-F238E27FC236}">
+                      <a16:creationId xmlns:a16="http://schemas.microsoft.com/office/drawing/2014/main" id="{729E41BC-3DE8-4146-B37F-C5DE9F158CDE}"/>
+                    </a:ext>
+                  </a:extLst>
+                </p:cNvPr>
+                <p:cNvPicPr/>
+                <p:nvPr/>
+              </p:nvPicPr>
+              <p:blipFill>
+                <a:blip r:embed="rId37"/>
+                <a:stretch>
+                  <a:fillRect/>
+                </a:stretch>
+              </p:blipFill>
+              <p:spPr>
+                <a:xfrm>
+                  <a:off x="4251169" y="610459"/>
+                  <a:ext cx="158040" cy="216000"/>
+                </a:xfrm>
+                <a:prstGeom prst="rect">
+                  <a:avLst/>
+                </a:prstGeom>
+              </p:spPr>
+            </p:pic>
+          </mc:Fallback>
+        </mc:AlternateContent>
+        <mc:AlternateContent xmlns:mc="http://schemas.openxmlformats.org/markup-compatibility/2006">
+          <mc:Choice xmlns:p14="http://schemas.microsoft.com/office/powerpoint/2010/main" Requires="p14">
+            <p:contentPart p14:bwMode="auto" r:id="rId38">
+              <p14:nvContentPartPr>
+                <p14:cNvPr id="26" name="Ink 25">
+                  <a:extLst>
+                    <a:ext uri="{FF2B5EF4-FFF2-40B4-BE49-F238E27FC236}">
+                      <a16:creationId xmlns:a16="http://schemas.microsoft.com/office/drawing/2014/main" id="{F67E55FE-29DB-40A7-ABF1-80B817B7A1CC}"/>
+                    </a:ext>
+                  </a:extLst>
+                </p14:cNvPr>
+                <p14:cNvContentPartPr/>
+                <p14:nvPr/>
+              </p14:nvContentPartPr>
+              <p14:xfrm>
+                <a:off x="4403089" y="594259"/>
+                <a:ext cx="139320" cy="167040"/>
+              </p14:xfrm>
+            </p:contentPart>
+          </mc:Choice>
+          <mc:Fallback>
+            <p:pic>
+              <p:nvPicPr>
+                <p:cNvPr id="26" name="Ink 25">
+                  <a:extLst>
+                    <a:ext uri="{FF2B5EF4-FFF2-40B4-BE49-F238E27FC236}">
+                      <a16:creationId xmlns:a16="http://schemas.microsoft.com/office/drawing/2014/main" id="{F67E55FE-29DB-40A7-ABF1-80B817B7A1CC}"/>
+                    </a:ext>
+                  </a:extLst>
+                </p:cNvPr>
+                <p:cNvPicPr/>
+                <p:nvPr/>
+              </p:nvPicPr>
+              <p:blipFill>
+                <a:blip r:embed="rId39"/>
+                <a:stretch>
+                  <a:fillRect/>
+                </a:stretch>
+              </p:blipFill>
+              <p:spPr>
+                <a:xfrm>
+                  <a:off x="4394449" y="585259"/>
+                  <a:ext cx="156960" cy="184680"/>
+                </a:xfrm>
+                <a:prstGeom prst="rect">
+                  <a:avLst/>
+                </a:prstGeom>
+              </p:spPr>
+            </p:pic>
+          </mc:Fallback>
+        </mc:AlternateContent>
+        <mc:AlternateContent xmlns:mc="http://schemas.openxmlformats.org/markup-compatibility/2006">
+          <mc:Choice xmlns:p14="http://schemas.microsoft.com/office/powerpoint/2010/main" Requires="p14">
+            <p:contentPart p14:bwMode="auto" r:id="rId40">
+              <p14:nvContentPartPr>
+                <p14:cNvPr id="27" name="Ink 26">
+                  <a:extLst>
+                    <a:ext uri="{FF2B5EF4-FFF2-40B4-BE49-F238E27FC236}">
+                      <a16:creationId xmlns:a16="http://schemas.microsoft.com/office/drawing/2014/main" id="{EFFF9CA3-8214-459C-9F70-CBC279FF83EC}"/>
+                    </a:ext>
+                  </a:extLst>
+                </p14:cNvPr>
+                <p14:cNvContentPartPr/>
+                <p14:nvPr/>
+              </p14:nvContentPartPr>
+              <p14:xfrm>
+                <a:off x="4622689" y="516139"/>
+                <a:ext cx="64080" cy="56880"/>
+              </p14:xfrm>
+            </p:contentPart>
+          </mc:Choice>
+          <mc:Fallback>
+            <p:pic>
+              <p:nvPicPr>
+                <p:cNvPr id="27" name="Ink 26">
+                  <a:extLst>
+                    <a:ext uri="{FF2B5EF4-FFF2-40B4-BE49-F238E27FC236}">
+                      <a16:creationId xmlns:a16="http://schemas.microsoft.com/office/drawing/2014/main" id="{EFFF9CA3-8214-459C-9F70-CBC279FF83EC}"/>
+                    </a:ext>
+                  </a:extLst>
+                </p:cNvPr>
+                <p:cNvPicPr/>
+                <p:nvPr/>
+              </p:nvPicPr>
+              <p:blipFill>
+                <a:blip r:embed="rId41"/>
+                <a:stretch>
+                  <a:fillRect/>
+                </a:stretch>
+              </p:blipFill>
+              <p:spPr>
+                <a:xfrm>
+                  <a:off x="4613689" y="507139"/>
+                  <a:ext cx="81720" cy="74520"/>
+                </a:xfrm>
+                <a:prstGeom prst="rect">
+                  <a:avLst/>
+                </a:prstGeom>
+              </p:spPr>
+            </p:pic>
+          </mc:Fallback>
+        </mc:AlternateContent>
+        <mc:AlternateContent xmlns:mc="http://schemas.openxmlformats.org/markup-compatibility/2006">
+          <mc:Choice xmlns:p14="http://schemas.microsoft.com/office/powerpoint/2010/main" Requires="p14">
+            <p:contentPart p14:bwMode="auto" r:id="rId42">
+              <p14:nvContentPartPr>
+                <p14:cNvPr id="28" name="Ink 27">
+                  <a:extLst>
+                    <a:ext uri="{FF2B5EF4-FFF2-40B4-BE49-F238E27FC236}">
+                      <a16:creationId xmlns:a16="http://schemas.microsoft.com/office/drawing/2014/main" id="{0826999F-1C83-4068-8B64-C72C4ADF8BB2}"/>
+                    </a:ext>
+                  </a:extLst>
+                </p14:cNvPr>
+                <p14:cNvContentPartPr/>
+                <p14:nvPr/>
+              </p14:nvContentPartPr>
+              <p14:xfrm>
+                <a:off x="4619089" y="522979"/>
+                <a:ext cx="132480" cy="244440"/>
+              </p14:xfrm>
+            </p:contentPart>
+          </mc:Choice>
+          <mc:Fallback>
+            <p:pic>
+              <p:nvPicPr>
+                <p:cNvPr id="28" name="Ink 27">
+                  <a:extLst>
+                    <a:ext uri="{FF2B5EF4-FFF2-40B4-BE49-F238E27FC236}">
+                      <a16:creationId xmlns:a16="http://schemas.microsoft.com/office/drawing/2014/main" id="{0826999F-1C83-4068-8B64-C72C4ADF8BB2}"/>
+                    </a:ext>
+                  </a:extLst>
+                </p:cNvPr>
+                <p:cNvPicPr/>
+                <p:nvPr/>
+              </p:nvPicPr>
+              <p:blipFill>
+                <a:blip r:embed="rId43"/>
+                <a:stretch>
+                  <a:fillRect/>
+                </a:stretch>
+              </p:blipFill>
+              <p:spPr>
+                <a:xfrm>
+                  <a:off x="4610089" y="513979"/>
+                  <a:ext cx="150120" cy="262080"/>
+                </a:xfrm>
+                <a:prstGeom prst="rect">
+                  <a:avLst/>
+                </a:prstGeom>
+              </p:spPr>
+            </p:pic>
+          </mc:Fallback>
+        </mc:AlternateContent>
+        <mc:AlternateContent xmlns:mc="http://schemas.openxmlformats.org/markup-compatibility/2006">
+          <mc:Choice xmlns:p14="http://schemas.microsoft.com/office/powerpoint/2010/main" Requires="p14">
+            <p:contentPart p14:bwMode="auto" r:id="rId44">
+              <p14:nvContentPartPr>
+                <p14:cNvPr id="30" name="Ink 29">
+                  <a:extLst>
+                    <a:ext uri="{FF2B5EF4-FFF2-40B4-BE49-F238E27FC236}">
+                      <a16:creationId xmlns:a16="http://schemas.microsoft.com/office/drawing/2014/main" id="{8052C960-BFD2-460B-AFEF-45591912F4CE}"/>
+                    </a:ext>
+                  </a:extLst>
+                </p14:cNvPr>
+                <p14:cNvContentPartPr/>
+                <p14:nvPr/>
+              </p14:nvContentPartPr>
+              <p14:xfrm>
+                <a:off x="4227769" y="744019"/>
+                <a:ext cx="593280" cy="179280"/>
+              </p14:xfrm>
+            </p:contentPart>
+          </mc:Choice>
+          <mc:Fallback>
+            <p:pic>
+              <p:nvPicPr>
+                <p:cNvPr id="30" name="Ink 29">
+                  <a:extLst>
+                    <a:ext uri="{FF2B5EF4-FFF2-40B4-BE49-F238E27FC236}">
+                      <a16:creationId xmlns:a16="http://schemas.microsoft.com/office/drawing/2014/main" id="{8052C960-BFD2-460B-AFEF-45591912F4CE}"/>
+                    </a:ext>
+                  </a:extLst>
+                </p:cNvPr>
+                <p:cNvPicPr/>
+                <p:nvPr/>
+              </p:nvPicPr>
+              <p:blipFill>
+                <a:blip r:embed="rId45"/>
+                <a:stretch>
+                  <a:fillRect/>
+                </a:stretch>
+              </p:blipFill>
+              <p:spPr>
+                <a:xfrm>
+                  <a:off x="4219129" y="735379"/>
+                  <a:ext cx="610920" cy="196920"/>
+                </a:xfrm>
+                <a:prstGeom prst="rect">
+                  <a:avLst/>
+                </a:prstGeom>
+              </p:spPr>
+            </p:pic>
+          </mc:Fallback>
+        </mc:AlternateContent>
+      </p:grpSp>
+      <mc:AlternateContent xmlns:mc="http://schemas.openxmlformats.org/markup-compatibility/2006">
+        <mc:Choice xmlns:p14="http://schemas.microsoft.com/office/powerpoint/2010/main" Requires="p14">
+          <p:contentPart p14:bwMode="auto" r:id="rId46">
+            <p14:nvContentPartPr>
+              <p14:cNvPr id="32" name="Ink 31">
+                <a:extLst>
+                  <a:ext uri="{FF2B5EF4-FFF2-40B4-BE49-F238E27FC236}">
+                    <a16:creationId xmlns:a16="http://schemas.microsoft.com/office/drawing/2014/main" id="{1C69A5D6-9000-4895-8BFB-E68ADC44EDB3}"/>
+                  </a:ext>
+                </a:extLst>
+              </p14:cNvPr>
+              <p14:cNvContentPartPr/>
+              <p14:nvPr/>
+            </p14:nvContentPartPr>
+            <p14:xfrm>
+              <a:off x="842689" y="2463019"/>
+              <a:ext cx="384480" cy="30240"/>
+            </p14:xfrm>
+          </p:contentPart>
+        </mc:Choice>
+        <mc:Fallback>
+          <p:pic>
+            <p:nvPicPr>
+              <p:cNvPr id="32" name="Ink 31">
+                <a:extLst>
+                  <a:ext uri="{FF2B5EF4-FFF2-40B4-BE49-F238E27FC236}">
+                    <a16:creationId xmlns:a16="http://schemas.microsoft.com/office/drawing/2014/main" id="{1C69A5D6-9000-4895-8BFB-E68ADC44EDB3}"/>
+                  </a:ext>
+                </a:extLst>
+              </p:cNvPr>
+              <p:cNvPicPr/>
+              <p:nvPr/>
+            </p:nvPicPr>
+            <p:blipFill>
+              <a:blip r:embed="rId47"/>
+              <a:stretch>
+                <a:fillRect/>
+              </a:stretch>
+            </p:blipFill>
+            <p:spPr>
+              <a:xfrm>
+                <a:off x="833689" y="2454019"/>
+                <a:ext cx="402120" cy="47880"/>
+              </a:xfrm>
+              <a:prstGeom prst="rect">
+                <a:avLst/>
+              </a:prstGeom>
+            </p:spPr>
+          </p:pic>
+        </mc:Fallback>
+      </mc:AlternateContent>
+      <mc:AlternateContent xmlns:mc="http://schemas.openxmlformats.org/markup-compatibility/2006">
+        <mc:Choice xmlns:p14="http://schemas.microsoft.com/office/powerpoint/2010/main" Requires="p14">
+          <p:contentPart p14:bwMode="auto" r:id="rId48">
+            <p14:nvContentPartPr>
+              <p14:cNvPr id="33" name="Ink 32">
+                <a:extLst>
+                  <a:ext uri="{FF2B5EF4-FFF2-40B4-BE49-F238E27FC236}">
+                    <a16:creationId xmlns:a16="http://schemas.microsoft.com/office/drawing/2014/main" id="{75E95E43-9D61-4E4B-AEC9-6257DD4D7150}"/>
+                  </a:ext>
+                </a:extLst>
+              </p14:cNvPr>
+              <p14:cNvContentPartPr/>
+              <p14:nvPr/>
+            </p14:nvContentPartPr>
+            <p14:xfrm>
+              <a:off x="1894249" y="2471299"/>
+              <a:ext cx="434520" cy="22680"/>
+            </p14:xfrm>
+          </p:contentPart>
+        </mc:Choice>
+        <mc:Fallback>
+          <p:pic>
+            <p:nvPicPr>
+              <p:cNvPr id="33" name="Ink 32">
+                <a:extLst>
+                  <a:ext uri="{FF2B5EF4-FFF2-40B4-BE49-F238E27FC236}">
+                    <a16:creationId xmlns:a16="http://schemas.microsoft.com/office/drawing/2014/main" id="{75E95E43-9D61-4E4B-AEC9-6257DD4D7150}"/>
+                  </a:ext>
+                </a:extLst>
+              </p:cNvPr>
+              <p:cNvPicPr/>
+              <p:nvPr/>
+            </p:nvPicPr>
+            <p:blipFill>
+              <a:blip r:embed="rId49"/>
+              <a:stretch>
+                <a:fillRect/>
+              </a:stretch>
+            </p:blipFill>
+            <p:spPr>
+              <a:xfrm>
+                <a:off x="1885609" y="2462659"/>
+                <a:ext cx="452160" cy="40320"/>
+              </a:xfrm>
+              <a:prstGeom prst="rect">
+                <a:avLst/>
+              </a:prstGeom>
+            </p:spPr>
+          </p:pic>
+        </mc:Fallback>
+      </mc:AlternateContent>
+      <mc:AlternateContent xmlns:mc="http://schemas.openxmlformats.org/markup-compatibility/2006">
+        <mc:Choice xmlns:p14="http://schemas.microsoft.com/office/powerpoint/2010/main" Requires="p14">
+          <p:contentPart p14:bwMode="auto" r:id="rId50">
+            <p14:nvContentPartPr>
+              <p14:cNvPr id="34" name="Ink 33">
+                <a:extLst>
+                  <a:ext uri="{FF2B5EF4-FFF2-40B4-BE49-F238E27FC236}">
+                    <a16:creationId xmlns:a16="http://schemas.microsoft.com/office/drawing/2014/main" id="{B3DDFAF2-9D6B-4285-BDB7-81C49C27EB7D}"/>
+                  </a:ext>
+                </a:extLst>
+              </p14:cNvPr>
+              <p14:cNvContentPartPr/>
+              <p14:nvPr/>
+            </p14:nvContentPartPr>
+            <p14:xfrm>
+              <a:off x="4347649" y="2451499"/>
+              <a:ext cx="623880" cy="36720"/>
+            </p14:xfrm>
+          </p:contentPart>
+        </mc:Choice>
+        <mc:Fallback>
+          <p:pic>
+            <p:nvPicPr>
+              <p:cNvPr id="34" name="Ink 33">
+                <a:extLst>
+                  <a:ext uri="{FF2B5EF4-FFF2-40B4-BE49-F238E27FC236}">
+                    <a16:creationId xmlns:a16="http://schemas.microsoft.com/office/drawing/2014/main" id="{B3DDFAF2-9D6B-4285-BDB7-81C49C27EB7D}"/>
+                  </a:ext>
+                </a:extLst>
+              </p:cNvPr>
+              <p:cNvPicPr/>
+              <p:nvPr/>
+            </p:nvPicPr>
+            <p:blipFill>
+              <a:blip r:embed="rId51"/>
+              <a:stretch>
+                <a:fillRect/>
+              </a:stretch>
+            </p:blipFill>
+            <p:spPr>
+              <a:xfrm>
+                <a:off x="4339009" y="2442499"/>
+                <a:ext cx="641520" cy="54360"/>
+              </a:xfrm>
+              <a:prstGeom prst="rect">
+                <a:avLst/>
+              </a:prstGeom>
+            </p:spPr>
+          </p:pic>
+        </mc:Fallback>
+      </mc:AlternateContent>
+      <p:grpSp>
+        <p:nvGrpSpPr>
+          <p:cNvPr id="38" name="Group 37">
+            <a:extLst>
+              <a:ext uri="{FF2B5EF4-FFF2-40B4-BE49-F238E27FC236}">
+                <a16:creationId xmlns:a16="http://schemas.microsoft.com/office/drawing/2014/main" id="{8D343799-DFBA-4BC9-B088-EED914A90B9D}"/>
+              </a:ext>
+            </a:extLst>
+          </p:cNvPr>
+          <p:cNvGrpSpPr/>
+          <p:nvPr/>
+        </p:nvGrpSpPr>
+        <p:grpSpPr>
+          <a:xfrm>
+            <a:off x="574849" y="2914099"/>
+            <a:ext cx="206640" cy="973440"/>
+            <a:chOff x="574849" y="2914099"/>
+            <a:chExt cx="206640" cy="973440"/>
+          </a:xfrm>
+        </p:grpSpPr>
+        <mc:AlternateContent xmlns:mc="http://schemas.openxmlformats.org/markup-compatibility/2006">
+          <mc:Choice xmlns:p14="http://schemas.microsoft.com/office/powerpoint/2010/main" Requires="p14">
+            <p:contentPart p14:bwMode="auto" r:id="rId52">
+              <p14:nvContentPartPr>
+                <p14:cNvPr id="36" name="Ink 35">
+                  <a:extLst>
+                    <a:ext uri="{FF2B5EF4-FFF2-40B4-BE49-F238E27FC236}">
+                      <a16:creationId xmlns:a16="http://schemas.microsoft.com/office/drawing/2014/main" id="{371B8EA4-B5B3-41BA-BCA0-A38A45DAF34A}"/>
+                    </a:ext>
+                  </a:extLst>
+                </p14:cNvPr>
+                <p14:cNvContentPartPr/>
+                <p14:nvPr/>
+              </p14:nvContentPartPr>
+              <p14:xfrm>
+                <a:off x="698329" y="2914099"/>
+                <a:ext cx="83160" cy="41760"/>
+              </p14:xfrm>
+            </p:contentPart>
+          </mc:Choice>
+          <mc:Fallback>
+            <p:pic>
+              <p:nvPicPr>
+                <p:cNvPr id="36" name="Ink 35">
+                  <a:extLst>
+                    <a:ext uri="{FF2B5EF4-FFF2-40B4-BE49-F238E27FC236}">
+                      <a16:creationId xmlns:a16="http://schemas.microsoft.com/office/drawing/2014/main" id="{371B8EA4-B5B3-41BA-BCA0-A38A45DAF34A}"/>
+                    </a:ext>
+                  </a:extLst>
+                </p:cNvPr>
+                <p:cNvPicPr/>
+                <p:nvPr/>
+              </p:nvPicPr>
+              <p:blipFill>
+                <a:blip r:embed="rId53"/>
+                <a:stretch>
+                  <a:fillRect/>
+                </a:stretch>
+              </p:blipFill>
+              <p:spPr>
+                <a:xfrm>
+                  <a:off x="689689" y="2905099"/>
+                  <a:ext cx="100800" cy="59400"/>
+                </a:xfrm>
+                <a:prstGeom prst="rect">
+                  <a:avLst/>
+                </a:prstGeom>
+              </p:spPr>
+            </p:pic>
+          </mc:Fallback>
+        </mc:AlternateContent>
+        <mc:AlternateContent xmlns:mc="http://schemas.openxmlformats.org/markup-compatibility/2006">
+          <mc:Choice xmlns:p14="http://schemas.microsoft.com/office/powerpoint/2010/main" Requires="p14">
+            <p:contentPart p14:bwMode="auto" r:id="rId54">
+              <p14:nvContentPartPr>
+                <p14:cNvPr id="37" name="Ink 36">
+                  <a:extLst>
+                    <a:ext uri="{FF2B5EF4-FFF2-40B4-BE49-F238E27FC236}">
+                      <a16:creationId xmlns:a16="http://schemas.microsoft.com/office/drawing/2014/main" id="{28598462-5264-47FB-AC58-C2855892073E}"/>
+                    </a:ext>
+                  </a:extLst>
+                </p14:cNvPr>
+                <p14:cNvContentPartPr/>
+                <p14:nvPr/>
+              </p14:nvContentPartPr>
+              <p14:xfrm>
+                <a:off x="574849" y="2964499"/>
+                <a:ext cx="102240" cy="923040"/>
+              </p14:xfrm>
+            </p:contentPart>
+          </mc:Choice>
+          <mc:Fallback>
+            <p:pic>
+              <p:nvPicPr>
+                <p:cNvPr id="37" name="Ink 36">
+                  <a:extLst>
+                    <a:ext uri="{FF2B5EF4-FFF2-40B4-BE49-F238E27FC236}">
+                      <a16:creationId xmlns:a16="http://schemas.microsoft.com/office/drawing/2014/main" id="{28598462-5264-47FB-AC58-C2855892073E}"/>
+                    </a:ext>
+                  </a:extLst>
+                </p:cNvPr>
+                <p:cNvPicPr/>
+                <p:nvPr/>
+              </p:nvPicPr>
+              <p:blipFill>
+                <a:blip r:embed="rId55"/>
+                <a:stretch>
+                  <a:fillRect/>
+                </a:stretch>
+              </p:blipFill>
+              <p:spPr>
+                <a:xfrm>
+                  <a:off x="566209" y="2955499"/>
+                  <a:ext cx="119880" cy="940680"/>
+                </a:xfrm>
+                <a:prstGeom prst="rect">
+                  <a:avLst/>
+                </a:prstGeom>
+              </p:spPr>
+            </p:pic>
+          </mc:Fallback>
+        </mc:AlternateContent>
+      </p:grpSp>
     </p:spTree>
     <p:extLst>
       <p:ext uri="{BB962C8B-B14F-4D97-AF65-F5344CB8AC3E}">
